--- a/mlu-dlti/Lessons/DEV_MLUDTI-EN-M1-L1.pptx
+++ b/mlu-dlti/Lessons/DEV_MLUDTI-EN-M1-L1.pptx
@@ -338,7 +338,7 @@
           <a:p>
             <a:fld id="{42A8AE1C-D21E-4DDC-B75F-D6306931BC6A}" type="datetimeFigureOut">
               <a:rPr lang="en-US" smtClean="0"/>
-              <a:t>5/5/25</a:t>
+              <a:t>7/10/25</a:t>
             </a:fld>
             <a:endParaRPr lang="en-US" dirty="0"/>
           </a:p>
@@ -3824,7 +3824,7 @@
             </a:pPr>
             <a:r>
               <a:rPr lang="en-US" dirty="0"/>
-              <a:t>In terms of biological motivation, this type of model is designed to mirror the behavior of a single neuron (although it’s now known that biological neurons are quite sophisticated).</a:t>
+              <a:t>In terms of biological motivation, this type of model was originally designed to mirror the behavior of a single neuron (although it’s now known that biological neurons are quite sophisticated).</a:t>
             </a:r>
           </a:p>
           <a:p>
@@ -7506,7 +7506,7 @@
           <a:p>
             <a:fld id="{C3AA83BF-C5E4-1F47-8552-19AD51A27331}" type="datetimeFigureOut">
               <a:rPr lang="en-US" smtClean="0"/>
-              <a:t>5/5/25</a:t>
+              <a:t>7/10/25</a:t>
             </a:fld>
             <a:endParaRPr lang="en-US"/>
           </a:p>
@@ -8036,10 +8036,9 @@
           <a:lstStyle/>
           <a:p>
             <a:r>
-              <a:rPr lang="en-US"/>
+              <a:rPr lang="en-US" dirty="0"/>
               <a:t>Module 1 – Lesson 1</a:t>
             </a:r>
-            <a:endParaRPr lang="en-US" dirty="0"/>
           </a:p>
         </p:txBody>
       </p:sp>
@@ -8273,12 +8272,12 @@
           <a:bodyPr/>
           <a:lstStyle/>
           <a:p>
-            <a:endParaRPr lang="en-US"/>
+            <a:endParaRPr lang="en-US" dirty="0"/>
           </a:p>
         </p:txBody>
       </p:sp>
-      <mc:AlternateContent xmlns:mc="http://schemas.openxmlformats.org/markup-compatibility/2006" xmlns:a14="http://schemas.microsoft.com/office/drawing/2010/main">
-        <mc:Choice Requires="a14">
+      <mc:AlternateContent xmlns:mc="http://schemas.openxmlformats.org/markup-compatibility/2006">
+        <mc:Choice xmlns:a14="http://schemas.microsoft.com/office/drawing/2010/main" Requires="a14">
           <p:sp>
             <p:nvSpPr>
               <p:cNvPr id="44" name="Text Placeholder 2">
@@ -8531,18 +8530,11 @@
                     <a:solidFill>
                       <a:schemeClr val="tx2"/>
                     </a:solidFill>
+                    <a:latin typeface="Amazon Ember" panose="020B0603020204020204" pitchFamily="34" charset="0"/>
+                    <a:ea typeface="Amazon Ember" panose="020B0603020204020204" pitchFamily="34" charset="0"/>
+                    <a:cs typeface="Amazon Ember" panose="020B0603020204020204" pitchFamily="34" charset="0"/>
                   </a:rPr>
-                  <a:t>Features: </a:t>
-                </a:r>
-                <a:r>
-                  <a:rPr lang="en-US" sz="2400" dirty="0">
-                    <a:solidFill>
-                      <a:schemeClr val="tx2"/>
-                    </a:solidFill>
-                    <a:latin typeface="Cambria Math" panose="02040503050406030204" pitchFamily="18" charset="0"/>
-                    <a:ea typeface="Cambria Math" panose="02040503050406030204" pitchFamily="18" charset="0"/>
-                  </a:rPr>
-                  <a:t>{</a:t>
+                  <a:t>Features: {</a:t>
                 </a:r>
                 <a14:m>
                   <m:oMath xmlns:m="http://schemas.openxmlformats.org/officeDocument/2006/math">
@@ -8590,21 +8582,17 @@
                     <a:solidFill>
                       <a:schemeClr val="tx2"/>
                     </a:solidFill>
-                    <a:latin typeface="Cambria Math" panose="02040503050406030204" pitchFamily="18" charset="0"/>
-                    <a:ea typeface="Cambria Math" panose="02040503050406030204" pitchFamily="18" charset="0"/>
+                    <a:latin typeface="Amazon Ember" panose="020B0603020204020204" pitchFamily="34" charset="0"/>
+                    <a:ea typeface="Amazon Ember" panose="020B0603020204020204" pitchFamily="34" charset="0"/>
+                    <a:cs typeface="Amazon Ember" panose="020B0603020204020204" pitchFamily="34" charset="0"/>
                   </a:rPr>
                   <a:t>}</a:t>
                 </a:r>
-                <a:endParaRPr lang="en-US" sz="2400" dirty="0">
-                  <a:solidFill>
-                    <a:schemeClr val="tx2"/>
-                  </a:solidFill>
-                </a:endParaRPr>
               </a:p>
             </p:txBody>
           </p:sp>
         </mc:Choice>
-        <mc:Fallback xmlns="">
+        <mc:Fallback>
           <p:sp>
             <p:nvSpPr>
               <p:cNvPr id="44" name="Text Placeholder 2">
@@ -8630,7 +8618,7 @@
               <a:blipFill>
                 <a:blip r:embed="rId4"/>
                 <a:stretch>
-                  <a:fillRect t="-6395" b="-4651"/>
+                  <a:fillRect t="-5952" b="-3571"/>
                 </a:stretch>
               </a:blipFill>
             </p:spPr>
@@ -8664,7 +8652,7 @@
         <p:spPr>
           <a:xfrm>
             <a:off x="7646506" y="2905887"/>
-            <a:ext cx="4297844" cy="1200329"/>
+            <a:ext cx="4297844" cy="830997"/>
           </a:xfrm>
           <a:prstGeom prst="rect">
             <a:avLst/>
@@ -8682,15 +8670,20 @@
                 <a:solidFill>
                   <a:schemeClr val="tx2"/>
                 </a:solidFill>
+                <a:latin typeface="Amazon Ember" panose="020B0603020204020204" pitchFamily="34" charset="0"/>
+                <a:ea typeface="Amazon Ember" panose="020B0603020204020204" pitchFamily="34" charset="0"/>
+                <a:cs typeface="Amazon Ember" panose="020B0603020204020204" pitchFamily="34" charset="0"/>
               </a:rPr>
               <a:t>These inputs are the </a:t>
             </a:r>
             <a:r>
-              <a:rPr lang="en-US" sz="2400" dirty="0">
+              <a:rPr lang="en-US" sz="2400" b="1" dirty="0">
                 <a:solidFill>
                   <a:schemeClr val="tx2"/>
                 </a:solidFill>
-                <a:latin typeface="Amazon Ember display"/>
+                <a:latin typeface="Amazon Ember" panose="020B0603020204020204" pitchFamily="34" charset="0"/>
+                <a:ea typeface="Amazon Ember" panose="020B0603020204020204" pitchFamily="34" charset="0"/>
+                <a:cs typeface="Amazon Ember" panose="020B0603020204020204" pitchFamily="34" charset="0"/>
               </a:rPr>
               <a:t>features</a:t>
             </a:r>
@@ -8699,8 +8692,11 @@
                 <a:solidFill>
                   <a:schemeClr val="tx2"/>
                 </a:solidFill>
+                <a:latin typeface="Amazon Ember" panose="020B0603020204020204" pitchFamily="34" charset="0"/>
+                <a:ea typeface="Amazon Ember" panose="020B0603020204020204" pitchFamily="34" charset="0"/>
+                <a:cs typeface="Amazon Ember" panose="020B0603020204020204" pitchFamily="34" charset="0"/>
               </a:rPr>
-              <a:t> that you learned about in the previous module.</a:t>
+              <a:t> that you learned previously.</a:t>
             </a:r>
           </a:p>
         </p:txBody>
@@ -8855,8 +8851,8 @@
           </a:p>
         </p:txBody>
       </p:sp>
-      <mc:AlternateContent xmlns:mc="http://schemas.openxmlformats.org/markup-compatibility/2006" xmlns:a14="http://schemas.microsoft.com/office/drawing/2010/main">
-        <mc:Choice Requires="a14">
+      <mc:AlternateContent xmlns:mc="http://schemas.openxmlformats.org/markup-compatibility/2006">
+        <mc:Choice xmlns:a14="http://schemas.microsoft.com/office/drawing/2010/main" Requires="a14">
           <p:sp>
             <p:nvSpPr>
               <p:cNvPr id="9" name="Text Placeholder 2">
@@ -9109,18 +9105,11 @@
                     <a:solidFill>
                       <a:schemeClr val="tx2"/>
                     </a:solidFill>
+                    <a:latin typeface="Amazon Ember" panose="020B0603020204020204" pitchFamily="34" charset="0"/>
+                    <a:ea typeface="Amazon Ember" panose="020B0603020204020204" pitchFamily="34" charset="0"/>
+                    <a:cs typeface="Amazon Ember" panose="020B0603020204020204" pitchFamily="34" charset="0"/>
                   </a:rPr>
-                  <a:t>Features: </a:t>
-                </a:r>
-                <a:r>
-                  <a:rPr lang="en-US" sz="2400" dirty="0">
-                    <a:solidFill>
-                      <a:schemeClr val="tx2"/>
-                    </a:solidFill>
-                    <a:latin typeface="Cambria Math" panose="02040503050406030204" pitchFamily="18" charset="0"/>
-                    <a:ea typeface="Cambria Math" panose="02040503050406030204" pitchFamily="18" charset="0"/>
-                  </a:rPr>
-                  <a:t>{</a:t>
+                  <a:t>Features: {</a:t>
                 </a:r>
                 <a14:m>
                   <m:oMath xmlns:m="http://schemas.openxmlformats.org/officeDocument/2006/math">
@@ -9168,8 +9157,9 @@
                     <a:solidFill>
                       <a:schemeClr val="tx2"/>
                     </a:solidFill>
-                    <a:latin typeface="Cambria Math" panose="02040503050406030204" pitchFamily="18" charset="0"/>
-                    <a:ea typeface="Cambria Math" panose="02040503050406030204" pitchFamily="18" charset="0"/>
+                    <a:latin typeface="Amazon Ember" panose="020B0603020204020204" pitchFamily="34" charset="0"/>
+                    <a:ea typeface="Amazon Ember" panose="020B0603020204020204" pitchFamily="34" charset="0"/>
+                    <a:cs typeface="Amazon Ember" panose="020B0603020204020204" pitchFamily="34" charset="0"/>
                   </a:rPr>
                   <a:t>}</a:t>
                 </a:r>
@@ -9199,18 +9189,11 @@
                     <a:solidFill>
                       <a:schemeClr val="tx2"/>
                     </a:solidFill>
+                    <a:latin typeface="Amazon Ember" panose="020B0603020204020204" pitchFamily="34" charset="0"/>
+                    <a:ea typeface="Amazon Ember" panose="020B0603020204020204" pitchFamily="34" charset="0"/>
+                    <a:cs typeface="Amazon Ember" panose="020B0603020204020204" pitchFamily="34" charset="0"/>
                   </a:rPr>
-                  <a:t>Bias:</a:t>
-                </a:r>
-                <a:r>
-                  <a:rPr lang="en-US" sz="2400" dirty="0">
-                    <a:solidFill>
-                      <a:schemeClr val="tx2"/>
-                    </a:solidFill>
-                    <a:latin typeface="Cambria Math" panose="02040503050406030204" pitchFamily="18" charset="0"/>
-                    <a:ea typeface="Cambria Math" panose="02040503050406030204" pitchFamily="18" charset="0"/>
-                  </a:rPr>
-                  <a:t> </a:t>
+                  <a:t>Bias: </a:t>
                 </a:r>
                 <a14:m>
                   <m:oMath xmlns:m="http://schemas.openxmlformats.org/officeDocument/2006/math">
@@ -9230,21 +9213,17 @@
                     <a:solidFill>
                       <a:schemeClr val="tx2"/>
                     </a:solidFill>
-                    <a:latin typeface="Cambria Math" panose="02040503050406030204" pitchFamily="18" charset="0"/>
-                    <a:ea typeface="Cambria Math" panose="02040503050406030204" pitchFamily="18" charset="0"/>
+                    <a:latin typeface="Amazon Ember" panose="020B0603020204020204" pitchFamily="34" charset="0"/>
+                    <a:ea typeface="Amazon Ember" panose="020B0603020204020204" pitchFamily="34" charset="0"/>
+                    <a:cs typeface="Amazon Ember" panose="020B0603020204020204" pitchFamily="34" charset="0"/>
                   </a:rPr>
                   <a:t> </a:t>
                 </a:r>
-                <a:endParaRPr lang="en-US" sz="2400" dirty="0">
-                  <a:solidFill>
-                    <a:schemeClr val="tx2"/>
-                  </a:solidFill>
-                </a:endParaRPr>
               </a:p>
             </p:txBody>
           </p:sp>
         </mc:Choice>
-        <mc:Fallback xmlns="">
+        <mc:Fallback>
           <p:sp>
             <p:nvSpPr>
               <p:cNvPr id="9" name="Text Placeholder 2">
@@ -9270,7 +9249,7 @@
               <a:blipFill>
                 <a:blip r:embed="rId4"/>
                 <a:stretch>
-                  <a:fillRect t="-4264"/>
+                  <a:fillRect t="-4800"/>
                 </a:stretch>
               </a:blipFill>
             </p:spPr>
@@ -9332,8 +9311,9 @@
                 <a:solidFill>
                   <a:schemeClr val="tx2"/>
                 </a:solidFill>
-                <a:latin typeface="Cambria Math" panose="02040503050406030204" pitchFamily="18" charset="0"/>
-                <a:ea typeface="Cambria Math" panose="02040503050406030204" pitchFamily="18" charset="0"/>
+                <a:latin typeface="Amazon Ember" panose="020B0603020204020204" pitchFamily="34" charset="0"/>
+                <a:ea typeface="Amazon Ember" panose="020B0603020204020204" pitchFamily="34" charset="0"/>
+                <a:cs typeface="Amazon Ember" panose="020B0603020204020204" pitchFamily="34" charset="0"/>
               </a:rPr>
               <a:t>b</a:t>
             </a:r>
@@ -9342,6 +9322,9 @@
                 <a:solidFill>
                   <a:schemeClr val="tx2"/>
                 </a:solidFill>
+                <a:latin typeface="Amazon Ember" panose="020B0603020204020204" pitchFamily="34" charset="0"/>
+                <a:ea typeface="Amazon Ember" panose="020B0603020204020204" pitchFamily="34" charset="0"/>
+                <a:cs typeface="Amazon Ember" panose="020B0603020204020204" pitchFamily="34" charset="0"/>
               </a:rPr>
               <a:t> is called the bias term. </a:t>
             </a:r>
@@ -9362,6 +9345,9 @@
                 <a:solidFill>
                   <a:schemeClr val="tx2"/>
                 </a:solidFill>
+                <a:latin typeface="Amazon Ember" panose="020B0603020204020204" pitchFamily="34" charset="0"/>
+                <a:ea typeface="Amazon Ember" panose="020B0603020204020204" pitchFamily="34" charset="0"/>
+                <a:cs typeface="Amazon Ember" panose="020B0603020204020204" pitchFamily="34" charset="0"/>
               </a:rPr>
               <a:t>It’s a constant input, usually 0 or 1.</a:t>
             </a:r>
@@ -9382,6 +9368,9 @@
                 <a:solidFill>
                   <a:schemeClr val="tx2"/>
                 </a:solidFill>
+                <a:latin typeface="Amazon Ember" panose="020B0603020204020204" pitchFamily="34" charset="0"/>
+                <a:ea typeface="Amazon Ember" panose="020B0603020204020204" pitchFamily="34" charset="0"/>
+                <a:cs typeface="Amazon Ember" panose="020B0603020204020204" pitchFamily="34" charset="0"/>
               </a:rPr>
               <a:t>You will learn more about bias later.</a:t>
             </a:r>
@@ -9531,12 +9520,12 @@
           <a:bodyPr/>
           <a:lstStyle/>
           <a:p>
-            <a:endParaRPr lang="en-US"/>
+            <a:endParaRPr lang="en-US" dirty="0"/>
           </a:p>
         </p:txBody>
       </p:sp>
-      <mc:AlternateContent xmlns:mc="http://schemas.openxmlformats.org/markup-compatibility/2006" xmlns:a14="http://schemas.microsoft.com/office/drawing/2010/main">
-        <mc:Choice Requires="a14">
+      <mc:AlternateContent xmlns:mc="http://schemas.openxmlformats.org/markup-compatibility/2006">
+        <mc:Choice xmlns:a14="http://schemas.microsoft.com/office/drawing/2010/main" Requires="a14">
           <p:sp>
             <p:nvSpPr>
               <p:cNvPr id="3" name="Text Placeholder 2">
@@ -9751,7 +9740,9 @@
                     <a:solidFill>
                       <a:schemeClr val="accent6"/>
                     </a:solidFill>
-                    <a:latin typeface="Amazon Ember display"/>
+                    <a:latin typeface="Amazon Ember" panose="020B0603020204020204" pitchFamily="34" charset="0"/>
+                    <a:ea typeface="Amazon Ember" panose="020B0603020204020204" pitchFamily="34" charset="0"/>
+                    <a:cs typeface="Amazon Ember" panose="020B0603020204020204" pitchFamily="34" charset="0"/>
                   </a:rPr>
                   <a:t>Inputs</a:t>
                 </a:r>
@@ -9760,6 +9751,9 @@
                     <a:solidFill>
                       <a:schemeClr val="accent6"/>
                     </a:solidFill>
+                    <a:latin typeface="Amazon Ember" panose="020B0603020204020204" pitchFamily="34" charset="0"/>
+                    <a:ea typeface="Amazon Ember" panose="020B0603020204020204" pitchFamily="34" charset="0"/>
+                    <a:cs typeface="Amazon Ember" panose="020B0603020204020204" pitchFamily="34" charset="0"/>
                   </a:rPr>
                   <a:t>: </a:t>
                 </a:r>
@@ -9789,18 +9783,11 @@
                     <a:solidFill>
                       <a:schemeClr val="tx2"/>
                     </a:solidFill>
+                    <a:latin typeface="Amazon Ember" panose="020B0603020204020204" pitchFamily="34" charset="0"/>
+                    <a:ea typeface="Amazon Ember" panose="020B0603020204020204" pitchFamily="34" charset="0"/>
+                    <a:cs typeface="Amazon Ember" panose="020B0603020204020204" pitchFamily="34" charset="0"/>
                   </a:rPr>
-                  <a:t>Features: </a:t>
-                </a:r>
-                <a:r>
-                  <a:rPr lang="en-US" sz="2400" dirty="0">
-                    <a:solidFill>
-                      <a:schemeClr val="tx2"/>
-                    </a:solidFill>
-                    <a:latin typeface="Cambria Math" panose="02040503050406030204" pitchFamily="18" charset="0"/>
-                    <a:ea typeface="Cambria Math" panose="02040503050406030204" pitchFamily="18" charset="0"/>
-                  </a:rPr>
-                  <a:t>{</a:t>
+                  <a:t>Features: {</a:t>
                 </a:r>
                 <a14:m>
                   <m:oMath xmlns:m="http://schemas.openxmlformats.org/officeDocument/2006/math">
@@ -9818,7 +9805,7 @@
                       </m:sSubPr>
                       <m:e>
                         <m:r>
-                          <a:rPr lang="en-US" sz="2400" i="1" smtClean="0">
+                          <a:rPr lang="en-US" sz="2400" b="0" i="1" smtClean="0">
                             <a:solidFill>
                               <a:schemeClr val="tx2"/>
                             </a:solidFill>
@@ -9830,7 +9817,7 @@
                       </m:e>
                       <m:sub>
                         <m:r>
-                          <a:rPr lang="en-US" sz="2400" i="1" smtClean="0">
+                          <a:rPr lang="en-US" sz="2400" b="0" i="1" smtClean="0">
                             <a:solidFill>
                               <a:schemeClr val="tx2"/>
                             </a:solidFill>
@@ -9848,8 +9835,9 @@
                     <a:solidFill>
                       <a:schemeClr val="tx2"/>
                     </a:solidFill>
-                    <a:latin typeface="Cambria Math" panose="02040503050406030204" pitchFamily="18" charset="0"/>
-                    <a:ea typeface="Cambria Math" panose="02040503050406030204" pitchFamily="18" charset="0"/>
+                    <a:latin typeface="Amazon Ember" panose="020B0603020204020204" pitchFamily="34" charset="0"/>
+                    <a:ea typeface="Amazon Ember" panose="020B0603020204020204" pitchFamily="34" charset="0"/>
+                    <a:cs typeface="Amazon Ember" panose="020B0603020204020204" pitchFamily="34" charset="0"/>
                   </a:rPr>
                   <a:t>}</a:t>
                 </a:r>
@@ -9879,18 +9867,11 @@
                     <a:solidFill>
                       <a:schemeClr val="tx2"/>
                     </a:solidFill>
+                    <a:latin typeface="Amazon Ember" panose="020B0603020204020204" pitchFamily="34" charset="0"/>
+                    <a:ea typeface="Amazon Ember" panose="020B0603020204020204" pitchFamily="34" charset="0"/>
+                    <a:cs typeface="Amazon Ember" panose="020B0603020204020204" pitchFamily="34" charset="0"/>
                   </a:rPr>
-                  <a:t>Bias:</a:t>
-                </a:r>
-                <a:r>
-                  <a:rPr lang="en-US" sz="2400" dirty="0">
-                    <a:solidFill>
-                      <a:schemeClr val="tx2"/>
-                    </a:solidFill>
-                    <a:latin typeface="Cambria Math" panose="02040503050406030204" pitchFamily="18" charset="0"/>
-                    <a:ea typeface="Cambria Math" panose="02040503050406030204" pitchFamily="18" charset="0"/>
-                  </a:rPr>
-                  <a:t> </a:t>
+                  <a:t>Bias: </a:t>
                 </a:r>
                 <a14:m>
                   <m:oMath xmlns:m="http://schemas.openxmlformats.org/officeDocument/2006/math">
@@ -9909,11 +9890,13 @@
                   <a:solidFill>
                     <a:schemeClr val="tx2"/>
                   </a:solidFill>
-                  <a:latin typeface="Cambria Math" panose="02040503050406030204" pitchFamily="18" charset="0"/>
+                  <a:latin typeface="Amazon Ember" panose="020B0603020204020204" pitchFamily="34" charset="0"/>
+                  <a:ea typeface="Amazon Ember" panose="020B0603020204020204" pitchFamily="34" charset="0"/>
+                  <a:cs typeface="Amazon Ember" panose="020B0603020204020204" pitchFamily="34" charset="0"/>
                 </a:endParaRPr>
               </a:p>
               <a:p>
-                <a:pPr marL="0" lvl="0" indent="0" algn="ctr" defTabSz="91417">
+                <a:pPr marL="0" indent="0" algn="ctr" defTabSz="91417">
                   <a:lnSpc>
                     <a:spcPct val="100000"/>
                   </a:lnSpc>
@@ -9937,7 +9920,9 @@
                     <a:solidFill>
                       <a:schemeClr val="accent6"/>
                     </a:solidFill>
-                    <a:latin typeface="Amazon Ember display"/>
+                    <a:latin typeface="Amazon Ember" panose="020B0603020204020204" pitchFamily="34" charset="0"/>
+                    <a:ea typeface="Amazon Ember" panose="020B0603020204020204" pitchFamily="34" charset="0"/>
+                    <a:cs typeface="Amazon Ember" panose="020B0603020204020204" pitchFamily="34" charset="0"/>
                   </a:rPr>
                   <a:t>Weights</a:t>
                 </a:r>
@@ -9946,83 +9931,109 @@
                     <a:solidFill>
                       <a:schemeClr val="accent6"/>
                     </a:solidFill>
-                    <a:ea typeface="Cambria Math" panose="02040503050406030204" pitchFamily="18" charset="0"/>
+                    <a:latin typeface="Amazon Ember" panose="020B0603020204020204" pitchFamily="34" charset="0"/>
+                    <a:ea typeface="Amazon Ember" panose="020B0603020204020204" pitchFamily="34" charset="0"/>
+                    <a:cs typeface="Amazon Ember" panose="020B0603020204020204" pitchFamily="34" charset="0"/>
                   </a:rPr>
-                  <a:t>:</a:t>
+                  <a:t>: </a:t>
                 </a:r>
                 <a:r>
-                  <a:rPr lang="en-US" sz="3200" b="1" dirty="0">
+                  <a:rPr lang="en-US" sz="2400" dirty="0">
                     <a:solidFill>
-                      <a:schemeClr val="accent6"/>
+                      <a:schemeClr val="tx2"/>
                     </a:solidFill>
-                    <a:latin typeface="Amazon Ember display"/>
+                    <a:latin typeface="Amazon Ember" panose="020B0603020204020204" pitchFamily="34" charset="0"/>
+                    <a:ea typeface="Amazon Ember" panose="020B0603020204020204" pitchFamily="34" charset="0"/>
+                    <a:cs typeface="Amazon Ember" panose="020B0603020204020204" pitchFamily="34" charset="0"/>
                   </a:rPr>
-                  <a:t> </a:t>
+                  <a:t>{</a:t>
                 </a:r>
                 <a14:m>
                   <m:oMath xmlns:m="http://schemas.openxmlformats.org/officeDocument/2006/math">
-                    <m:d>
-                      <m:dPr>
-                        <m:begChr m:val="{"/>
-                        <m:endChr m:val="}"/>
+                    <m:sSub>
+                      <m:sSubPr>
                         <m:ctrlPr>
-                          <a:rPr lang="en-US" sz="2400" i="1" smtClean="0">
+                          <a:rPr lang="en-US" sz="2400" i="1">
                             <a:solidFill>
                               <a:schemeClr val="tx2"/>
                             </a:solidFill>
                             <a:latin typeface="Cambria Math" panose="02040503050406030204" pitchFamily="18" charset="0"/>
+                            <a:ea typeface="Cambria Math" panose="02040503050406030204" pitchFamily="18" charset="0"/>
                           </a:rPr>
                         </m:ctrlPr>
-                      </m:dPr>
+                      </m:sSubPr>
                       <m:e>
-                        <m:sSub>
-                          <m:sSubPr>
-                            <m:ctrlPr>
-                              <a:rPr lang="en-US" sz="2400" i="1" smtClean="0">
-                                <a:solidFill>
-                                  <a:schemeClr val="tx2"/>
-                                </a:solidFill>
-                                <a:latin typeface="Cambria Math" panose="02040503050406030204" pitchFamily="18" charset="0"/>
-                              </a:rPr>
-                            </m:ctrlPr>
-                          </m:sSubPr>
-                          <m:e>
-                            <m:r>
-                              <a:rPr lang="en-US" sz="2400" i="1" smtClean="0">
-                                <a:solidFill>
-                                  <a:schemeClr val="tx2"/>
-                                </a:solidFill>
-                                <a:latin typeface="Cambria Math" panose="02040503050406030204" pitchFamily="18" charset="0"/>
-                              </a:rPr>
-                              <m:t>𝑤</m:t>
-                            </m:r>
-                          </m:e>
-                          <m:sub>
-                            <m:r>
-                              <a:rPr lang="en-US" sz="2400" i="1" smtClean="0">
-                                <a:solidFill>
-                                  <a:schemeClr val="tx2"/>
-                                </a:solidFill>
-                                <a:latin typeface="Cambria Math" panose="02040503050406030204" pitchFamily="18" charset="0"/>
-                              </a:rPr>
-                              <m:t>𝑖</m:t>
-                            </m:r>
-                          </m:sub>
-                        </m:sSub>
+                        <m:r>
+                          <a:rPr lang="en-US" sz="2400" b="0" i="1" smtClean="0">
+                            <a:solidFill>
+                              <a:schemeClr val="tx2"/>
+                            </a:solidFill>
+                            <a:latin typeface="Cambria Math" panose="02040503050406030204" pitchFamily="18" charset="0"/>
+                            <a:ea typeface="Cambria Math" panose="02040503050406030204" pitchFamily="18" charset="0"/>
+                          </a:rPr>
+                          <m:t>𝑤</m:t>
+                        </m:r>
                       </m:e>
-                    </m:d>
+                      <m:sub>
+                        <m:r>
+                          <a:rPr lang="en-US" sz="2400" i="1">
+                            <a:solidFill>
+                              <a:schemeClr val="tx2"/>
+                            </a:solidFill>
+                            <a:latin typeface="Cambria Math" panose="02040503050406030204" pitchFamily="18" charset="0"/>
+                            <a:ea typeface="Cambria Math" panose="02040503050406030204" pitchFamily="18" charset="0"/>
+                          </a:rPr>
+                          <m:t>𝑖</m:t>
+                        </m:r>
+                      </m:sub>
+                    </m:sSub>
                   </m:oMath>
                 </a14:m>
+                <a:r>
+                  <a:rPr lang="en-US" sz="2400" dirty="0">
+                    <a:solidFill>
+                      <a:schemeClr val="tx2"/>
+                    </a:solidFill>
+                    <a:latin typeface="Amazon Ember" panose="020B0603020204020204" pitchFamily="34" charset="0"/>
+                    <a:ea typeface="Amazon Ember" panose="020B0603020204020204" pitchFamily="34" charset="0"/>
+                    <a:cs typeface="Amazon Ember" panose="020B0603020204020204" pitchFamily="34" charset="0"/>
+                  </a:rPr>
+                  <a:t>}</a:t>
+                </a:r>
+              </a:p>
+              <a:p>
+                <a:pPr marL="0" lvl="0" indent="0" algn="ctr" defTabSz="91417">
+                  <a:lnSpc>
+                    <a:spcPct val="100000"/>
+                  </a:lnSpc>
+                  <a:spcBef>
+                    <a:spcPts val="0"/>
+                  </a:spcBef>
+                  <a:spcAft>
+                    <a:spcPts val="600"/>
+                  </a:spcAft>
+                  <a:buClr>
+                    <a:srgbClr val="1D212E"/>
+                  </a:buClr>
+                  <a:buSzPct val="110000"/>
+                  <a:buNone/>
+                  <a:tabLst>
+                    <a:tab pos="226957" algn="l"/>
+                  </a:tabLst>
+                </a:pPr>
                 <a:endParaRPr lang="en-US" sz="2400" dirty="0">
                   <a:solidFill>
                     <a:schemeClr val="tx2"/>
                   </a:solidFill>
+                  <a:latin typeface="Amazon Ember" panose="020B0603020204020204" pitchFamily="34" charset="0"/>
+                  <a:ea typeface="Amazon Ember" panose="020B0603020204020204" pitchFamily="34" charset="0"/>
+                  <a:cs typeface="Amazon Ember" panose="020B0603020204020204" pitchFamily="34" charset="0"/>
                 </a:endParaRPr>
               </a:p>
             </p:txBody>
           </p:sp>
         </mc:Choice>
-        <mc:Fallback xmlns="">
+        <mc:Fallback>
           <p:sp>
             <p:nvSpPr>
               <p:cNvPr id="3" name="Text Placeholder 2">
@@ -10048,7 +10059,7 @@
               <a:blipFill>
                 <a:blip r:embed="rId4"/>
                 <a:stretch>
-                  <a:fillRect t="-3049" b="-6402"/>
+                  <a:fillRect t="-3165" b="-4430"/>
                 </a:stretch>
               </a:blipFill>
             </p:spPr>
@@ -10100,25 +10111,11 @@
                 <a:solidFill>
                   <a:schemeClr val="tx2"/>
                 </a:solidFill>
+                <a:latin typeface="Amazon Ember" panose="020B0603020204020204" pitchFamily="34" charset="0"/>
+                <a:ea typeface="Amazon Ember" panose="020B0603020204020204" pitchFamily="34" charset="0"/>
+                <a:cs typeface="Amazon Ember" panose="020B0603020204020204" pitchFamily="34" charset="0"/>
               </a:rPr>
-              <a:t>These are the same </a:t>
-            </a:r>
-            <a:r>
-              <a:rPr lang="en-US" sz="2400" dirty="0">
-                <a:solidFill>
-                  <a:schemeClr val="tx2"/>
-                </a:solidFill>
-                <a:latin typeface="Amazon Ember display"/>
-              </a:rPr>
-              <a:t>weights that you learned about i</a:t>
-            </a:r>
-            <a:r>
-              <a:rPr lang="en-US" sz="2400" dirty="0">
-                <a:solidFill>
-                  <a:schemeClr val="tx2"/>
-                </a:solidFill>
-              </a:rPr>
-              <a:t>n the previous module.</a:t>
+              <a:t>These are the same weights that you learned about previously.</a:t>
             </a:r>
           </a:p>
         </p:txBody>
@@ -10270,14 +10267,86 @@
           </a:p>
         </p:txBody>
       </p:sp>
-      <mc:AlternateContent xmlns:mc="http://schemas.openxmlformats.org/markup-compatibility/2006" xmlns:a14="http://schemas.microsoft.com/office/drawing/2010/main">
-        <mc:Choice Requires="a14">
+      <p:sp>
+        <p:nvSpPr>
+          <p:cNvPr id="9" name="TextBox 8">
+            <a:extLst>
+              <a:ext uri="{FF2B5EF4-FFF2-40B4-BE49-F238E27FC236}">
+                <a16:creationId xmlns:a16="http://schemas.microsoft.com/office/drawing/2014/main" id="{0B07C765-524A-B0D7-91A4-45AA8BCBE149}"/>
+              </a:ext>
+            </a:extLst>
+          </p:cNvPr>
+          <p:cNvSpPr txBox="1"/>
+          <p:nvPr/>
+        </p:nvSpPr>
+        <p:spPr>
+          <a:xfrm>
+            <a:off x="7111116" y="3575583"/>
+            <a:ext cx="4603805" cy="1938992"/>
+          </a:xfrm>
+          <a:prstGeom prst="rect">
+            <a:avLst/>
+          </a:prstGeom>
+          <a:noFill/>
+        </p:spPr>
+        <p:txBody>
+          <a:bodyPr wrap="square" rtlCol="0">
+            <a:spAutoFit/>
+          </a:bodyPr>
+          <a:lstStyle/>
+          <a:p>
+            <a:r>
+              <a:rPr lang="en-US" sz="2400" dirty="0">
+                <a:solidFill>
+                  <a:schemeClr val="tx2"/>
+                </a:solidFill>
+                <a:latin typeface="Amazon Ember" panose="020B0603020204020204" pitchFamily="34" charset="0"/>
+                <a:ea typeface="Amazon Ember" panose="020B0603020204020204" pitchFamily="34" charset="0"/>
+                <a:cs typeface="Amazon Ember" panose="020B0603020204020204" pitchFamily="34" charset="0"/>
+              </a:rPr>
+              <a:t>The perceptron’s input is a weighted sum of the inputs and the weights, plus the bias term (left side of the line inside the neuron).</a:t>
+            </a:r>
+          </a:p>
+        </p:txBody>
+      </p:sp>
+      <p:pic>
+        <p:nvPicPr>
+          <p:cNvPr id="7" name="Picture 6" descr="Single-layer network that was displayed previously. The weights and inputs are combined linearly.">
+            <a:extLst>
+              <a:ext uri="{FF2B5EF4-FFF2-40B4-BE49-F238E27FC236}">
+                <a16:creationId xmlns:a16="http://schemas.microsoft.com/office/drawing/2014/main" id="{1A5ECFF9-57C7-41F7-A976-57F3C86C742A}"/>
+              </a:ext>
+            </a:extLst>
+          </p:cNvPr>
+          <p:cNvPicPr>
+            <a:picLocks noChangeAspect="1"/>
+          </p:cNvPicPr>
+          <p:nvPr/>
+        </p:nvPicPr>
+        <p:blipFill>
+          <a:blip r:embed="rId4"/>
+          <a:stretch>
+            <a:fillRect/>
+          </a:stretch>
+        </p:blipFill>
+        <p:spPr>
+          <a:xfrm>
+            <a:off x="359661" y="1647871"/>
+            <a:ext cx="6791533" cy="3999323"/>
+          </a:xfrm>
+          <a:prstGeom prst="rect">
+            <a:avLst/>
+          </a:prstGeom>
+        </p:spPr>
+      </p:pic>
+      <mc:AlternateContent xmlns:mc="http://schemas.openxmlformats.org/markup-compatibility/2006">
+        <mc:Choice xmlns:a14="http://schemas.microsoft.com/office/drawing/2010/main" Requires="a14">
           <p:sp>
             <p:nvSpPr>
-              <p:cNvPr id="8" name="Text Placeholder 2">
+              <p:cNvPr id="4" name="Text Placeholder 2">
                 <a:extLst>
                   <a:ext uri="{FF2B5EF4-FFF2-40B4-BE49-F238E27FC236}">
-                    <a16:creationId xmlns:a16="http://schemas.microsoft.com/office/drawing/2014/main" id="{2E4DF01D-AE39-4D82-AC29-23861707139E}"/>
+                    <a16:creationId xmlns:a16="http://schemas.microsoft.com/office/drawing/2014/main" id="{EABDBFD5-248A-73F9-7A55-48D7B9769A85}"/>
                   </a:ext>
                 </a:extLst>
               </p:cNvPr>
@@ -10462,7 +10531,7 @@
                 </a:lvl9pPr>
               </a:lstStyle>
               <a:p>
-                <a:pPr marL="0" lvl="0" indent="0" algn="ctr" defTabSz="91417">
+                <a:pPr marL="0" marR="0" lvl="0" indent="0" algn="ctr" defTabSz="91417" rtl="0" eaLnBrk="1" fontAlgn="auto" latinLnBrk="0" hangingPunct="1">
                   <a:lnSpc>
                     <a:spcPct val="100000"/>
                   </a:lnSpc>
@@ -10476,31 +10545,50 @@
                     <a:srgbClr val="1D212E"/>
                   </a:buClr>
                   <a:buSzPct val="110000"/>
+                  <a:buFontTx/>
                   <a:buNone/>
                   <a:tabLst>
                     <a:tab pos="226957" algn="l"/>
                   </a:tabLst>
+                  <a:defRPr/>
                 </a:pPr>
                 <a:r>
-                  <a:rPr lang="en-US" sz="2800" b="1" dirty="0">
+                  <a:rPr kumimoji="0" lang="en-US" sz="2800" b="1" i="0" u="none" strike="noStrike" kern="1200" cap="none" spc="0" normalizeH="0" baseline="0" noProof="0" dirty="0">
+                    <a:ln>
+                      <a:noFill/>
+                    </a:ln>
                     <a:solidFill>
-                      <a:schemeClr val="accent6"/>
+                      <a:srgbClr val="70AD47"/>
                     </a:solidFill>
-                    <a:latin typeface="Amazon Ember display"/>
+                    <a:effectLst/>
+                    <a:uLnTx/>
+                    <a:uFillTx/>
+                    <a:latin typeface="Amazon Ember" panose="020B0603020204020204" pitchFamily="34" charset="0"/>
+                    <a:ea typeface="Amazon Ember" panose="020B0603020204020204" pitchFamily="34" charset="0"/>
+                    <a:cs typeface="Amazon Ember" panose="020B0603020204020204" pitchFamily="34" charset="0"/>
                   </a:rPr>
                   <a:t>Inputs</a:t>
                 </a:r>
                 <a:r>
-                  <a:rPr lang="en-US" sz="2400" b="1" dirty="0">
+                  <a:rPr kumimoji="0" lang="en-US" sz="2400" b="1" i="0" u="none" strike="noStrike" kern="1200" cap="none" spc="0" normalizeH="0" baseline="0" noProof="0" dirty="0">
+                    <a:ln>
+                      <a:noFill/>
+                    </a:ln>
                     <a:solidFill>
-                      <a:schemeClr val="accent6"/>
+                      <a:srgbClr val="70AD47"/>
                     </a:solidFill>
+                    <a:effectLst/>
+                    <a:uLnTx/>
+                    <a:uFillTx/>
+                    <a:latin typeface="Amazon Ember" panose="020B0603020204020204" pitchFamily="34" charset="0"/>
+                    <a:ea typeface="Amazon Ember" panose="020B0603020204020204" pitchFamily="34" charset="0"/>
+                    <a:cs typeface="Amazon Ember" panose="020B0603020204020204" pitchFamily="34" charset="0"/>
                   </a:rPr>
                   <a:t>: </a:t>
                 </a:r>
               </a:p>
               <a:p>
-                <a:pPr marL="0" lvl="0" indent="0" algn="ctr" defTabSz="91417">
+                <a:pPr marL="0" marR="0" lvl="0" indent="0" algn="ctr" defTabSz="91417" rtl="0" eaLnBrk="1" fontAlgn="auto" latinLnBrk="0" hangingPunct="1">
                   <a:lnSpc>
                     <a:spcPct val="100000"/>
                   </a:lnSpc>
@@ -10514,26 +10602,255 @@
                     <a:srgbClr val="1D212E"/>
                   </a:buClr>
                   <a:buSzPct val="110000"/>
+                  <a:buFontTx/>
                   <a:buNone/>
                   <a:tabLst>
                     <a:tab pos="226957" algn="l"/>
                   </a:tabLst>
+                  <a:defRPr/>
                 </a:pPr>
                 <a:r>
-                  <a:rPr lang="en-US" sz="2400" dirty="0">
+                  <a:rPr kumimoji="0" lang="en-US" sz="2400" b="0" i="0" u="none" strike="noStrike" kern="1200" cap="none" spc="0" normalizeH="0" baseline="0" noProof="0" dirty="0">
+                    <a:ln>
+                      <a:noFill/>
+                    </a:ln>
                     <a:solidFill>
-                      <a:schemeClr val="tx2"/>
+                      <a:srgbClr val="44546A"/>
                     </a:solidFill>
+                    <a:effectLst/>
+                    <a:uLnTx/>
+                    <a:uFillTx/>
+                    <a:latin typeface="Amazon Ember" panose="020B0603020204020204" pitchFamily="34" charset="0"/>
+                    <a:ea typeface="Amazon Ember" panose="020B0603020204020204" pitchFamily="34" charset="0"/>
+                    <a:cs typeface="Amazon Ember" panose="020B0603020204020204" pitchFamily="34" charset="0"/>
                   </a:rPr>
-                  <a:t>Features: </a:t>
+                  <a:t>Features: {</a:t>
+                </a:r>
+                <a14:m>
+                  <m:oMath xmlns:m="http://schemas.openxmlformats.org/officeDocument/2006/math">
+                    <m:sSub>
+                      <m:sSubPr>
+                        <m:ctrlPr>
+                          <a:rPr kumimoji="0" lang="en-US" sz="2400" b="0" i="1" u="none" strike="noStrike" kern="1200" cap="none" spc="0" normalizeH="0" baseline="0" noProof="0">
+                            <a:ln>
+                              <a:noFill/>
+                            </a:ln>
+                            <a:solidFill>
+                              <a:srgbClr val="44546A"/>
+                            </a:solidFill>
+                            <a:effectLst/>
+                            <a:uLnTx/>
+                            <a:uFillTx/>
+                            <a:latin typeface="Cambria Math" panose="02040503050406030204" pitchFamily="18" charset="0"/>
+                            <a:ea typeface="Cambria Math" panose="02040503050406030204" pitchFamily="18" charset="0"/>
+                            <a:cs typeface="+mn-cs"/>
+                          </a:rPr>
+                        </m:ctrlPr>
+                      </m:sSubPr>
+                      <m:e>
+                        <m:r>
+                          <a:rPr kumimoji="0" lang="en-US" sz="2400" b="0" i="1" u="none" strike="noStrike" kern="1200" cap="none" spc="0" normalizeH="0" baseline="0" noProof="0" smtClean="0">
+                            <a:ln>
+                              <a:noFill/>
+                            </a:ln>
+                            <a:solidFill>
+                              <a:srgbClr val="44546A"/>
+                            </a:solidFill>
+                            <a:effectLst/>
+                            <a:uLnTx/>
+                            <a:uFillTx/>
+                            <a:latin typeface="Cambria Math" panose="02040503050406030204" pitchFamily="18" charset="0"/>
+                            <a:ea typeface="Cambria Math" panose="02040503050406030204" pitchFamily="18" charset="0"/>
+                            <a:cs typeface="+mn-cs"/>
+                          </a:rPr>
+                          <m:t>𝑥</m:t>
+                        </m:r>
+                      </m:e>
+                      <m:sub>
+                        <m:r>
+                          <a:rPr kumimoji="0" lang="en-US" sz="2400" b="0" i="1" u="none" strike="noStrike" kern="1200" cap="none" spc="0" normalizeH="0" baseline="0" noProof="0" smtClean="0">
+                            <a:ln>
+                              <a:noFill/>
+                            </a:ln>
+                            <a:solidFill>
+                              <a:srgbClr val="44546A"/>
+                            </a:solidFill>
+                            <a:effectLst/>
+                            <a:uLnTx/>
+                            <a:uFillTx/>
+                            <a:latin typeface="Cambria Math" panose="02040503050406030204" pitchFamily="18" charset="0"/>
+                            <a:ea typeface="Cambria Math" panose="02040503050406030204" pitchFamily="18" charset="0"/>
+                            <a:cs typeface="+mn-cs"/>
+                          </a:rPr>
+                          <m:t>𝑖</m:t>
+                        </m:r>
+                      </m:sub>
+                    </m:sSub>
+                  </m:oMath>
+                </a14:m>
+                <a:r>
+                  <a:rPr kumimoji="0" lang="en-US" sz="2400" b="0" i="0" u="none" strike="noStrike" kern="1200" cap="none" spc="0" normalizeH="0" baseline="0" noProof="0" dirty="0">
+                    <a:ln>
+                      <a:noFill/>
+                    </a:ln>
+                    <a:solidFill>
+                      <a:srgbClr val="44546A"/>
+                    </a:solidFill>
+                    <a:effectLst/>
+                    <a:uLnTx/>
+                    <a:uFillTx/>
+                    <a:latin typeface="Amazon Ember" panose="020B0603020204020204" pitchFamily="34" charset="0"/>
+                    <a:ea typeface="Amazon Ember" panose="020B0603020204020204" pitchFamily="34" charset="0"/>
+                    <a:cs typeface="Amazon Ember" panose="020B0603020204020204" pitchFamily="34" charset="0"/>
+                  </a:rPr>
+                  <a:t>}</a:t>
+                </a:r>
+              </a:p>
+              <a:p>
+                <a:pPr marL="0" marR="0" lvl="0" indent="0" algn="ctr" defTabSz="91417" rtl="0" eaLnBrk="1" fontAlgn="auto" latinLnBrk="0" hangingPunct="1">
+                  <a:lnSpc>
+                    <a:spcPct val="100000"/>
+                  </a:lnSpc>
+                  <a:spcBef>
+                    <a:spcPts val="0"/>
+                  </a:spcBef>
+                  <a:spcAft>
+                    <a:spcPts val="600"/>
+                  </a:spcAft>
+                  <a:buClr>
+                    <a:srgbClr val="1D212E"/>
+                  </a:buClr>
+                  <a:buSzPct val="110000"/>
+                  <a:buFontTx/>
+                  <a:buNone/>
+                  <a:tabLst>
+                    <a:tab pos="226957" algn="l"/>
+                  </a:tabLst>
+                  <a:defRPr/>
+                </a:pPr>
+                <a:r>
+                  <a:rPr kumimoji="0" lang="en-US" sz="2400" b="0" i="0" u="none" strike="noStrike" kern="1200" cap="none" spc="0" normalizeH="0" baseline="0" noProof="0" dirty="0">
+                    <a:ln>
+                      <a:noFill/>
+                    </a:ln>
+                    <a:solidFill>
+                      <a:srgbClr val="44546A"/>
+                    </a:solidFill>
+                    <a:effectLst/>
+                    <a:uLnTx/>
+                    <a:uFillTx/>
+                    <a:latin typeface="Amazon Ember" panose="020B0603020204020204" pitchFamily="34" charset="0"/>
+                    <a:ea typeface="Amazon Ember" panose="020B0603020204020204" pitchFamily="34" charset="0"/>
+                    <a:cs typeface="Amazon Ember" panose="020B0603020204020204" pitchFamily="34" charset="0"/>
+                  </a:rPr>
+                  <a:t>Bias: </a:t>
+                </a:r>
+                <a14:m>
+                  <m:oMath xmlns:m="http://schemas.openxmlformats.org/officeDocument/2006/math">
+                    <m:r>
+                      <a:rPr kumimoji="0" lang="en-US" sz="2400" b="0" i="1" u="none" strike="noStrike" kern="1200" cap="none" spc="0" normalizeH="0" baseline="0" noProof="0" smtClean="0">
+                        <a:ln>
+                          <a:noFill/>
+                        </a:ln>
+                        <a:solidFill>
+                          <a:srgbClr val="44546A"/>
+                        </a:solidFill>
+                        <a:effectLst/>
+                        <a:uLnTx/>
+                        <a:uFillTx/>
+                        <a:latin typeface="Cambria Math" panose="02040503050406030204" pitchFamily="18" charset="0"/>
+                        <a:ea typeface="+mn-ea"/>
+                        <a:cs typeface="+mn-cs"/>
+                      </a:rPr>
+                      <m:t>𝑏</m:t>
+                    </m:r>
+                  </m:oMath>
+                </a14:m>
+                <a:endParaRPr kumimoji="0" lang="en-US" sz="2400" b="0" i="1" u="none" strike="noStrike" kern="1200" cap="none" spc="0" normalizeH="0" baseline="0" noProof="0" dirty="0">
+                  <a:ln>
+                    <a:noFill/>
+                  </a:ln>
+                  <a:solidFill>
+                    <a:srgbClr val="44546A"/>
+                  </a:solidFill>
+                  <a:effectLst/>
+                  <a:uLnTx/>
+                  <a:uFillTx/>
+                  <a:latin typeface="Amazon Ember" panose="020B0603020204020204" pitchFamily="34" charset="0"/>
+                  <a:ea typeface="Amazon Ember" panose="020B0603020204020204" pitchFamily="34" charset="0"/>
+                  <a:cs typeface="Amazon Ember" panose="020B0603020204020204" pitchFamily="34" charset="0"/>
+                </a:endParaRPr>
+              </a:p>
+              <a:p>
+                <a:pPr marL="0" marR="0" lvl="0" indent="0" algn="ctr" defTabSz="91417" rtl="0" eaLnBrk="1" fontAlgn="auto" latinLnBrk="0" hangingPunct="1">
+                  <a:lnSpc>
+                    <a:spcPct val="100000"/>
+                  </a:lnSpc>
+                  <a:spcBef>
+                    <a:spcPts val="0"/>
+                  </a:spcBef>
+                  <a:spcAft>
+                    <a:spcPts val="600"/>
+                  </a:spcAft>
+                  <a:buClr>
+                    <a:srgbClr val="1D212E"/>
+                  </a:buClr>
+                  <a:buSzPct val="110000"/>
+                  <a:buFontTx/>
+                  <a:buNone/>
+                  <a:tabLst>
+                    <a:tab pos="226957" algn="l"/>
+                  </a:tabLst>
+                  <a:defRPr/>
+                </a:pPr>
+                <a:r>
+                  <a:rPr kumimoji="0" lang="en-US" sz="2800" b="1" i="0" u="none" strike="noStrike" kern="1200" cap="none" spc="0" normalizeH="0" baseline="0" noProof="0" dirty="0">
+                    <a:ln>
+                      <a:noFill/>
+                    </a:ln>
+                    <a:solidFill>
+                      <a:srgbClr val="70AD47"/>
+                    </a:solidFill>
+                    <a:effectLst/>
+                    <a:uLnTx/>
+                    <a:uFillTx/>
+                    <a:latin typeface="Amazon Ember" panose="020B0603020204020204" pitchFamily="34" charset="0"/>
+                    <a:ea typeface="Amazon Ember" panose="020B0603020204020204" pitchFamily="34" charset="0"/>
+                    <a:cs typeface="Amazon Ember" panose="020B0603020204020204" pitchFamily="34" charset="0"/>
+                  </a:rPr>
+                  <a:t>Weights</a:t>
                 </a:r>
                 <a:r>
-                  <a:rPr lang="en-US" sz="2400" dirty="0">
+                  <a:rPr kumimoji="0" lang="en-US" sz="2400" b="1" i="0" u="none" strike="noStrike" kern="1200" cap="none" spc="0" normalizeH="0" baseline="0" noProof="0" dirty="0">
+                    <a:ln>
+                      <a:noFill/>
+                    </a:ln>
                     <a:solidFill>
-                      <a:schemeClr val="tx2"/>
+                      <a:srgbClr val="70AD47"/>
                     </a:solidFill>
-                    <a:latin typeface="Cambria Math" panose="02040503050406030204" pitchFamily="18" charset="0"/>
-                    <a:ea typeface="Cambria Math" panose="02040503050406030204" pitchFamily="18" charset="0"/>
+                    <a:effectLst/>
+                    <a:uLnTx/>
+                    <a:uFillTx/>
+                    <a:latin typeface="Amazon Ember" panose="020B0603020204020204" pitchFamily="34" charset="0"/>
+                    <a:ea typeface="Amazon Ember" panose="020B0603020204020204" pitchFamily="34" charset="0"/>
+                    <a:cs typeface="Amazon Ember" panose="020B0603020204020204" pitchFamily="34" charset="0"/>
+                  </a:rPr>
+                  <a:t>: </a:t>
+                </a:r>
+                <a:r>
+                  <a:rPr kumimoji="0" lang="en-US" sz="2400" b="0" i="0" u="none" strike="noStrike" kern="1200" cap="none" spc="0" normalizeH="0" baseline="0" noProof="0" dirty="0">
+                    <a:ln>
+                      <a:noFill/>
+                    </a:ln>
+                    <a:solidFill>
+                      <a:srgbClr val="44546A"/>
+                    </a:solidFill>
+                    <a:effectLst/>
+                    <a:uLnTx/>
+                    <a:uFillTx/>
+                    <a:latin typeface="Amazon Ember" panose="020B0603020204020204" pitchFamily="34" charset="0"/>
+                    <a:ea typeface="Amazon Ember" panose="020B0603020204020204" pitchFamily="34" charset="0"/>
+                    <a:cs typeface="Amazon Ember" panose="020B0603020204020204" pitchFamily="34" charset="0"/>
                   </a:rPr>
                   <a:t>{</a:t>
                 </a:r>
@@ -10542,35 +10859,56 @@
                     <m:sSub>
                       <m:sSubPr>
                         <m:ctrlPr>
-                          <a:rPr lang="en-US" sz="2400" i="1">
+                          <a:rPr kumimoji="0" lang="en-US" sz="2400" b="0" i="1" u="none" strike="noStrike" kern="1200" cap="none" spc="0" normalizeH="0" baseline="0" noProof="0">
+                            <a:ln>
+                              <a:noFill/>
+                            </a:ln>
                             <a:solidFill>
-                              <a:schemeClr val="tx2"/>
+                              <a:srgbClr val="44546A"/>
                             </a:solidFill>
+                            <a:effectLst/>
+                            <a:uLnTx/>
+                            <a:uFillTx/>
                             <a:latin typeface="Cambria Math" panose="02040503050406030204" pitchFamily="18" charset="0"/>
                             <a:ea typeface="Cambria Math" panose="02040503050406030204" pitchFamily="18" charset="0"/>
+                            <a:cs typeface="+mn-cs"/>
                           </a:rPr>
                         </m:ctrlPr>
                       </m:sSubPr>
                       <m:e>
                         <m:r>
-                          <a:rPr lang="en-US" sz="2400" i="1" smtClean="0">
+                          <a:rPr kumimoji="0" lang="en-US" sz="2400" b="0" i="1" u="none" strike="noStrike" kern="1200" cap="none" spc="0" normalizeH="0" baseline="0" noProof="0" smtClean="0">
+                            <a:ln>
+                              <a:noFill/>
+                            </a:ln>
                             <a:solidFill>
-                              <a:schemeClr val="tx2"/>
+                              <a:srgbClr val="44546A"/>
                             </a:solidFill>
+                            <a:effectLst/>
+                            <a:uLnTx/>
+                            <a:uFillTx/>
                             <a:latin typeface="Cambria Math" panose="02040503050406030204" pitchFamily="18" charset="0"/>
                             <a:ea typeface="Cambria Math" panose="02040503050406030204" pitchFamily="18" charset="0"/>
+                            <a:cs typeface="+mn-cs"/>
                           </a:rPr>
-                          <m:t>𝑥</m:t>
+                          <m:t>𝑤</m:t>
                         </m:r>
                       </m:e>
                       <m:sub>
                         <m:r>
-                          <a:rPr lang="en-US" sz="2400" i="1" smtClean="0">
+                          <a:rPr kumimoji="0" lang="en-US" sz="2400" b="0" i="1" u="none" strike="noStrike" kern="1200" cap="none" spc="0" normalizeH="0" baseline="0" noProof="0">
+                            <a:ln>
+                              <a:noFill/>
+                            </a:ln>
                             <a:solidFill>
-                              <a:schemeClr val="tx2"/>
+                              <a:srgbClr val="44546A"/>
                             </a:solidFill>
+                            <a:effectLst/>
+                            <a:uLnTx/>
+                            <a:uFillTx/>
                             <a:latin typeface="Cambria Math" panose="02040503050406030204" pitchFamily="18" charset="0"/>
                             <a:ea typeface="Cambria Math" panose="02040503050406030204" pitchFamily="18" charset="0"/>
+                            <a:cs typeface="+mn-cs"/>
                           </a:rPr>
                           <m:t>𝑖</m:t>
                         </m:r>
@@ -10579,12 +10917,19 @@
                   </m:oMath>
                 </a14:m>
                 <a:r>
-                  <a:rPr lang="en-US" sz="2400" dirty="0">
+                  <a:rPr kumimoji="0" lang="en-US" sz="2400" b="0" i="0" u="none" strike="noStrike" kern="1200" cap="none" spc="0" normalizeH="0" baseline="0" noProof="0" dirty="0">
+                    <a:ln>
+                      <a:noFill/>
+                    </a:ln>
                     <a:solidFill>
-                      <a:schemeClr val="tx2"/>
+                      <a:srgbClr val="44546A"/>
                     </a:solidFill>
-                    <a:latin typeface="Cambria Math" panose="02040503050406030204" pitchFamily="18" charset="0"/>
-                    <a:ea typeface="Cambria Math" panose="02040503050406030204" pitchFamily="18" charset="0"/>
+                    <a:effectLst/>
+                    <a:uLnTx/>
+                    <a:uFillTx/>
+                    <a:latin typeface="Amazon Ember" panose="020B0603020204020204" pitchFamily="34" charset="0"/>
+                    <a:ea typeface="Amazon Ember" panose="020B0603020204020204" pitchFamily="34" charset="0"/>
+                    <a:cs typeface="Amazon Ember" panose="020B0603020204020204" pitchFamily="34" charset="0"/>
                   </a:rPr>
                   <a:t>}</a:t>
                 </a:r>
@@ -10609,159 +10954,25 @@
                     <a:tab pos="226957" algn="l"/>
                   </a:tabLst>
                 </a:pPr>
-                <a:r>
-                  <a:rPr lang="en-US" sz="2400" dirty="0">
-                    <a:solidFill>
-                      <a:schemeClr val="tx2"/>
-                    </a:solidFill>
-                  </a:rPr>
-                  <a:t>Bias:</a:t>
-                </a:r>
-                <a:r>
-                  <a:rPr lang="en-US" sz="2400" dirty="0">
-                    <a:solidFill>
-                      <a:schemeClr val="tx2"/>
-                    </a:solidFill>
-                    <a:latin typeface="Cambria Math" panose="02040503050406030204" pitchFamily="18" charset="0"/>
-                    <a:ea typeface="Cambria Math" panose="02040503050406030204" pitchFamily="18" charset="0"/>
-                  </a:rPr>
-                  <a:t> </a:t>
-                </a:r>
-                <a14:m>
-                  <m:oMath xmlns:m="http://schemas.openxmlformats.org/officeDocument/2006/math">
-                    <m:r>
-                      <a:rPr lang="en-US" sz="2400" i="1" smtClean="0">
-                        <a:solidFill>
-                          <a:schemeClr val="tx2"/>
-                        </a:solidFill>
-                        <a:latin typeface="Cambria Math" panose="02040503050406030204" pitchFamily="18" charset="0"/>
-                      </a:rPr>
-                      <m:t>𝑏</m:t>
-                    </m:r>
-                  </m:oMath>
-                </a14:m>
-                <a:endParaRPr lang="en-US" sz="2400" i="1" dirty="0">
-                  <a:solidFill>
-                    <a:schemeClr val="tx2"/>
-                  </a:solidFill>
-                  <a:latin typeface="Cambria Math" panose="02040503050406030204" pitchFamily="18" charset="0"/>
-                </a:endParaRPr>
-              </a:p>
-              <a:p>
-                <a:pPr marL="0" lvl="0" indent="0" algn="ctr" defTabSz="91417">
-                  <a:lnSpc>
-                    <a:spcPct val="100000"/>
-                  </a:lnSpc>
-                  <a:spcBef>
-                    <a:spcPts val="0"/>
-                  </a:spcBef>
-                  <a:spcAft>
-                    <a:spcPts val="600"/>
-                  </a:spcAft>
-                  <a:buClr>
-                    <a:srgbClr val="1D212E"/>
-                  </a:buClr>
-                  <a:buSzPct val="110000"/>
-                  <a:buNone/>
-                  <a:tabLst>
-                    <a:tab pos="226957" algn="l"/>
-                  </a:tabLst>
-                </a:pPr>
-                <a:r>
-                  <a:rPr lang="en-US" sz="2800" b="1" dirty="0">
-                    <a:solidFill>
-                      <a:schemeClr val="accent6"/>
-                    </a:solidFill>
-                  </a:rPr>
-                  <a:t>Weights</a:t>
-                </a:r>
-                <a:r>
-                  <a:rPr lang="en-US" sz="2400" b="1" dirty="0">
-                    <a:solidFill>
-                      <a:schemeClr val="accent6"/>
-                    </a:solidFill>
-                    <a:ea typeface="Cambria Math" panose="02040503050406030204" pitchFamily="18" charset="0"/>
-                  </a:rPr>
-                  <a:t>:</a:t>
-                </a:r>
-                <a:r>
-                  <a:rPr lang="en-US" sz="3200" b="1" dirty="0">
-                    <a:solidFill>
-                      <a:schemeClr val="accent6"/>
-                    </a:solidFill>
-                  </a:rPr>
-                  <a:t> </a:t>
-                </a:r>
-                <a14:m>
-                  <m:oMath xmlns:m="http://schemas.openxmlformats.org/officeDocument/2006/math">
-                    <m:d>
-                      <m:dPr>
-                        <m:begChr m:val="{"/>
-                        <m:endChr m:val="}"/>
-                        <m:ctrlPr>
-                          <a:rPr lang="en-US" sz="2400" i="1" smtClean="0">
-                            <a:solidFill>
-                              <a:schemeClr val="tx2"/>
-                            </a:solidFill>
-                            <a:latin typeface="Cambria Math" panose="02040503050406030204" pitchFamily="18" charset="0"/>
-                          </a:rPr>
-                        </m:ctrlPr>
-                      </m:dPr>
-                      <m:e>
-                        <m:sSub>
-                          <m:sSubPr>
-                            <m:ctrlPr>
-                              <a:rPr lang="en-US" sz="2400" i="1" smtClean="0">
-                                <a:solidFill>
-                                  <a:schemeClr val="tx2"/>
-                                </a:solidFill>
-                                <a:latin typeface="Cambria Math" panose="02040503050406030204" pitchFamily="18" charset="0"/>
-                              </a:rPr>
-                            </m:ctrlPr>
-                          </m:sSubPr>
-                          <m:e>
-                            <m:r>
-                              <a:rPr lang="en-US" sz="2400" i="1" smtClean="0">
-                                <a:solidFill>
-                                  <a:schemeClr val="tx2"/>
-                                </a:solidFill>
-                                <a:latin typeface="Cambria Math" panose="02040503050406030204" pitchFamily="18" charset="0"/>
-                              </a:rPr>
-                              <m:t>𝑤</m:t>
-                            </m:r>
-                          </m:e>
-                          <m:sub>
-                            <m:r>
-                              <a:rPr lang="en-US" sz="2400" i="1" smtClean="0">
-                                <a:solidFill>
-                                  <a:schemeClr val="tx2"/>
-                                </a:solidFill>
-                                <a:latin typeface="Cambria Math" panose="02040503050406030204" pitchFamily="18" charset="0"/>
-                              </a:rPr>
-                              <m:t>𝑖</m:t>
-                            </m:r>
-                          </m:sub>
-                        </m:sSub>
-                      </m:e>
-                    </m:d>
-                  </m:oMath>
-                </a14:m>
                 <a:endParaRPr lang="en-US" sz="2400" dirty="0">
                   <a:solidFill>
                     <a:schemeClr val="tx2"/>
                   </a:solidFill>
+                  <a:latin typeface="Amazon Ember" panose="020B0603020204020204" pitchFamily="34" charset="0"/>
+                  <a:ea typeface="Amazon Ember" panose="020B0603020204020204" pitchFamily="34" charset="0"/>
+                  <a:cs typeface="Amazon Ember" panose="020B0603020204020204" pitchFamily="34" charset="0"/>
                 </a:endParaRPr>
               </a:p>
             </p:txBody>
           </p:sp>
         </mc:Choice>
-        <mc:Fallback xmlns="">
+        <mc:Fallback>
           <p:sp>
             <p:nvSpPr>
-              <p:cNvPr id="8" name="Text Placeholder 2">
+              <p:cNvPr id="4" name="Text Placeholder 2">
                 <a:extLst>
                   <a:ext uri="{FF2B5EF4-FFF2-40B4-BE49-F238E27FC236}">
-                    <a16:creationId xmlns:a16="http://schemas.microsoft.com/office/drawing/2014/main" id="{2E4DF01D-AE39-4D82-AC29-23861707139E}"/>
+                    <a16:creationId xmlns:a16="http://schemas.microsoft.com/office/drawing/2014/main" id="{EABDBFD5-248A-73F9-7A55-48D7B9769A85}"/>
                   </a:ext>
                 </a:extLst>
               </p:cNvPr>
@@ -10779,9 +10990,9 @@
                 <a:avLst/>
               </a:prstGeom>
               <a:blipFill>
-                <a:blip r:embed="rId4"/>
+                <a:blip r:embed="rId5"/>
                 <a:stretch>
-                  <a:fillRect t="-3049" b="-6402"/>
+                  <a:fillRect t="-3165" b="-4430"/>
                 </a:stretch>
               </a:blipFill>
             </p:spPr>
@@ -10800,109 +11011,6 @@
           </p:sp>
         </mc:Fallback>
       </mc:AlternateContent>
-      <p:sp>
-        <p:nvSpPr>
-          <p:cNvPr id="9" name="TextBox 8">
-            <a:extLst>
-              <a:ext uri="{FF2B5EF4-FFF2-40B4-BE49-F238E27FC236}">
-                <a16:creationId xmlns:a16="http://schemas.microsoft.com/office/drawing/2014/main" id="{0B07C765-524A-B0D7-91A4-45AA8BCBE149}"/>
-              </a:ext>
-            </a:extLst>
-          </p:cNvPr>
-          <p:cNvSpPr txBox="1"/>
-          <p:nvPr/>
-        </p:nvSpPr>
-        <p:spPr>
-          <a:xfrm>
-            <a:off x="7111116" y="3575583"/>
-            <a:ext cx="4603805" cy="1938992"/>
-          </a:xfrm>
-          <a:prstGeom prst="rect">
-            <a:avLst/>
-          </a:prstGeom>
-          <a:noFill/>
-        </p:spPr>
-        <p:txBody>
-          <a:bodyPr wrap="square" rtlCol="0">
-            <a:spAutoFit/>
-          </a:bodyPr>
-          <a:lstStyle/>
-          <a:p>
-            <a:r>
-              <a:rPr lang="en-US" sz="2400" dirty="0">
-                <a:solidFill>
-                  <a:schemeClr val="tx2"/>
-                </a:solidFill>
-              </a:rPr>
-              <a:t>The perceptron’s input is a weighted sum of the </a:t>
-            </a:r>
-            <a:r>
-              <a:rPr lang="en-US" sz="2400" dirty="0">
-                <a:solidFill>
-                  <a:schemeClr val="tx2"/>
-                </a:solidFill>
-                <a:latin typeface="Amazon Ember display"/>
-              </a:rPr>
-              <a:t>inputs</a:t>
-            </a:r>
-            <a:r>
-              <a:rPr lang="en-US" sz="2400" dirty="0">
-                <a:solidFill>
-                  <a:schemeClr val="tx2"/>
-                </a:solidFill>
-              </a:rPr>
-              <a:t> and the </a:t>
-            </a:r>
-            <a:r>
-              <a:rPr lang="en-US" sz="2400" dirty="0">
-                <a:solidFill>
-                  <a:schemeClr val="tx2"/>
-                </a:solidFill>
-                <a:latin typeface="Amazon Ember display"/>
-              </a:rPr>
-              <a:t>weights</a:t>
-            </a:r>
-            <a:r>
-              <a:rPr lang="en-US" sz="2400" dirty="0">
-                <a:solidFill>
-                  <a:schemeClr val="tx2"/>
-                </a:solidFill>
-              </a:rPr>
-              <a:t>, plus the bias term (left side on the line inside the neuron).</a:t>
-            </a:r>
-          </a:p>
-        </p:txBody>
-      </p:sp>
-      <p:pic>
-        <p:nvPicPr>
-          <p:cNvPr id="7" name="Picture 6" descr="Single-layer network that was displayed previously. The weights and inputs are combined linearly.">
-            <a:extLst>
-              <a:ext uri="{FF2B5EF4-FFF2-40B4-BE49-F238E27FC236}">
-                <a16:creationId xmlns:a16="http://schemas.microsoft.com/office/drawing/2014/main" id="{1A5ECFF9-57C7-41F7-A976-57F3C86C742A}"/>
-              </a:ext>
-            </a:extLst>
-          </p:cNvPr>
-          <p:cNvPicPr>
-            <a:picLocks noChangeAspect="1"/>
-          </p:cNvPicPr>
-          <p:nvPr/>
-        </p:nvPicPr>
-        <p:blipFill>
-          <a:blip r:embed="rId5"/>
-          <a:stretch>
-            <a:fillRect/>
-          </a:stretch>
-        </p:blipFill>
-        <p:spPr>
-          <a:xfrm>
-            <a:off x="359661" y="1647871"/>
-            <a:ext cx="6791533" cy="3999323"/>
-          </a:xfrm>
-          <a:prstGeom prst="rect">
-            <a:avLst/>
-          </a:prstGeom>
-        </p:spPr>
-      </p:pic>
     </p:spTree>
     <p:custDataLst>
       <p:tags r:id="rId1"/>
@@ -11016,12 +11124,12 @@
           <a:bodyPr/>
           <a:lstStyle/>
           <a:p>
-            <a:endParaRPr lang="en-US"/>
+            <a:endParaRPr lang="en-US" dirty="0"/>
           </a:p>
         </p:txBody>
       </p:sp>
-      <mc:AlternateContent xmlns:mc="http://schemas.openxmlformats.org/markup-compatibility/2006" xmlns:a14="http://schemas.microsoft.com/office/drawing/2010/main">
-        <mc:Choice Requires="a14">
+      <mc:AlternateContent xmlns:mc="http://schemas.openxmlformats.org/markup-compatibility/2006">
+        <mc:Choice xmlns:a14="http://schemas.microsoft.com/office/drawing/2010/main" Requires="a14">
           <p:sp>
             <p:nvSpPr>
               <p:cNvPr id="5" name="Text Placeholder 2">
@@ -11212,7 +11320,7 @@
                 </a:lvl9pPr>
               </a:lstStyle>
               <a:p>
-                <a:pPr marL="0" lvl="0" indent="0" algn="ctr" defTabSz="91417">
+                <a:pPr marL="0" marR="0" lvl="0" indent="0" algn="ctr" defTabSz="91417" rtl="0" eaLnBrk="1" fontAlgn="auto" latinLnBrk="0" hangingPunct="1">
                   <a:lnSpc>
                     <a:spcPct val="100000"/>
                   </a:lnSpc>
@@ -11226,31 +11334,50 @@
                     <a:srgbClr val="1D212E"/>
                   </a:buClr>
                   <a:buSzPct val="110000"/>
+                  <a:buFontTx/>
                   <a:buNone/>
                   <a:tabLst>
                     <a:tab pos="226957" algn="l"/>
                   </a:tabLst>
+                  <a:defRPr/>
                 </a:pPr>
                 <a:r>
-                  <a:rPr lang="en-US" sz="2800" b="1" dirty="0">
+                  <a:rPr kumimoji="0" lang="en-US" sz="2800" b="1" i="0" u="none" strike="noStrike" kern="1200" cap="none" spc="0" normalizeH="0" baseline="0" noProof="0" dirty="0">
+                    <a:ln>
+                      <a:noFill/>
+                    </a:ln>
                     <a:solidFill>
-                      <a:schemeClr val="accent6"/>
+                      <a:srgbClr val="70AD47"/>
                     </a:solidFill>
-                    <a:latin typeface="Amazon Ember display"/>
+                    <a:effectLst/>
+                    <a:uLnTx/>
+                    <a:uFillTx/>
+                    <a:latin typeface="Amazon Ember" panose="020B0603020204020204" pitchFamily="34" charset="0"/>
+                    <a:ea typeface="Amazon Ember" panose="020B0603020204020204" pitchFamily="34" charset="0"/>
+                    <a:cs typeface="Amazon Ember" panose="020B0603020204020204" pitchFamily="34" charset="0"/>
                   </a:rPr>
                   <a:t>Inputs</a:t>
                 </a:r>
                 <a:r>
-                  <a:rPr lang="en-US" sz="2800" b="1" dirty="0">
+                  <a:rPr kumimoji="0" lang="en-US" sz="2400" b="1" i="0" u="none" strike="noStrike" kern="1200" cap="none" spc="0" normalizeH="0" baseline="0" noProof="0" dirty="0">
+                    <a:ln>
+                      <a:noFill/>
+                    </a:ln>
                     <a:solidFill>
-                      <a:schemeClr val="accent6"/>
+                      <a:srgbClr val="70AD47"/>
                     </a:solidFill>
+                    <a:effectLst/>
+                    <a:uLnTx/>
+                    <a:uFillTx/>
+                    <a:latin typeface="Amazon Ember" panose="020B0603020204020204" pitchFamily="34" charset="0"/>
+                    <a:ea typeface="Amazon Ember" panose="020B0603020204020204" pitchFamily="34" charset="0"/>
+                    <a:cs typeface="Amazon Ember" panose="020B0603020204020204" pitchFamily="34" charset="0"/>
                   </a:rPr>
                   <a:t>: </a:t>
                 </a:r>
               </a:p>
               <a:p>
-                <a:pPr marL="0" lvl="0" indent="0" algn="ctr" defTabSz="91417">
+                <a:pPr marL="0" marR="0" lvl="0" indent="0" algn="ctr" defTabSz="91417" rtl="0" eaLnBrk="1" fontAlgn="auto" latinLnBrk="0" hangingPunct="1">
                   <a:lnSpc>
                     <a:spcPct val="100000"/>
                   </a:lnSpc>
@@ -11264,63 +11391,85 @@
                     <a:srgbClr val="1D212E"/>
                   </a:buClr>
                   <a:buSzPct val="110000"/>
+                  <a:buFontTx/>
                   <a:buNone/>
                   <a:tabLst>
                     <a:tab pos="226957" algn="l"/>
                   </a:tabLst>
+                  <a:defRPr/>
                 </a:pPr>
                 <a:r>
-                  <a:rPr lang="en-US" sz="2400" dirty="0">
+                  <a:rPr kumimoji="0" lang="en-US" sz="2400" b="0" i="0" u="none" strike="noStrike" kern="1200" cap="none" spc="0" normalizeH="0" baseline="0" noProof="0" dirty="0">
+                    <a:ln>
+                      <a:noFill/>
+                    </a:ln>
                     <a:solidFill>
-                      <a:schemeClr val="tx2"/>
+                      <a:srgbClr val="44546A"/>
                     </a:solidFill>
+                    <a:effectLst/>
+                    <a:uLnTx/>
+                    <a:uFillTx/>
+                    <a:latin typeface="Amazon Ember" panose="020B0603020204020204" pitchFamily="34" charset="0"/>
+                    <a:ea typeface="Amazon Ember" panose="020B0603020204020204" pitchFamily="34" charset="0"/>
+                    <a:cs typeface="Amazon Ember" panose="020B0603020204020204" pitchFamily="34" charset="0"/>
                   </a:rPr>
-                  <a:t>Features: </a:t>
-                </a:r>
-                <a:r>
-                  <a:rPr lang="en-US" sz="2400" dirty="0">
-                    <a:solidFill>
-                      <a:schemeClr val="tx2"/>
-                    </a:solidFill>
-                    <a:latin typeface="Cambria Math" panose="02040503050406030204" pitchFamily="18" charset="0"/>
-                    <a:ea typeface="Cambria Math" panose="02040503050406030204" pitchFamily="18" charset="0"/>
-                  </a:rPr>
-                  <a:t>{</a:t>
+                  <a:t>Features: {</a:t>
                 </a:r>
                 <a14:m>
                   <m:oMath xmlns:m="http://schemas.openxmlformats.org/officeDocument/2006/math">
                     <m:sSub>
                       <m:sSubPr>
                         <m:ctrlPr>
-                          <a:rPr lang="en-US" sz="2400" i="1">
+                          <a:rPr kumimoji="0" lang="en-US" sz="2400" b="0" i="1" u="none" strike="noStrike" kern="1200" cap="none" spc="0" normalizeH="0" baseline="0" noProof="0">
+                            <a:ln>
+                              <a:noFill/>
+                            </a:ln>
                             <a:solidFill>
-                              <a:schemeClr val="tx2"/>
+                              <a:srgbClr val="44546A"/>
                             </a:solidFill>
+                            <a:effectLst/>
+                            <a:uLnTx/>
+                            <a:uFillTx/>
                             <a:latin typeface="Cambria Math" panose="02040503050406030204" pitchFamily="18" charset="0"/>
                             <a:ea typeface="Cambria Math" panose="02040503050406030204" pitchFamily="18" charset="0"/>
+                            <a:cs typeface="+mn-cs"/>
                           </a:rPr>
                         </m:ctrlPr>
                       </m:sSubPr>
                       <m:e>
                         <m:r>
-                          <a:rPr lang="en-US" sz="2400" i="1">
+                          <a:rPr kumimoji="0" lang="en-US" sz="2400" b="0" i="1" u="none" strike="noStrike" kern="1200" cap="none" spc="0" normalizeH="0" baseline="0" noProof="0" smtClean="0">
+                            <a:ln>
+                              <a:noFill/>
+                            </a:ln>
                             <a:solidFill>
-                              <a:schemeClr val="tx2"/>
+                              <a:srgbClr val="44546A"/>
                             </a:solidFill>
+                            <a:effectLst/>
+                            <a:uLnTx/>
+                            <a:uFillTx/>
                             <a:latin typeface="Cambria Math" panose="02040503050406030204" pitchFamily="18" charset="0"/>
                             <a:ea typeface="Cambria Math" panose="02040503050406030204" pitchFamily="18" charset="0"/>
+                            <a:cs typeface="+mn-cs"/>
                           </a:rPr>
                           <m:t>𝑥</m:t>
                         </m:r>
                       </m:e>
                       <m:sub>
                         <m:r>
-                          <a:rPr lang="en-US" sz="2400" i="1">
+                          <a:rPr kumimoji="0" lang="en-US" sz="2400" b="0" i="1" u="none" strike="noStrike" kern="1200" cap="none" spc="0" normalizeH="0" baseline="0" noProof="0" smtClean="0">
+                            <a:ln>
+                              <a:noFill/>
+                            </a:ln>
                             <a:solidFill>
-                              <a:schemeClr val="tx2"/>
+                              <a:srgbClr val="44546A"/>
                             </a:solidFill>
+                            <a:effectLst/>
+                            <a:uLnTx/>
+                            <a:uFillTx/>
                             <a:latin typeface="Cambria Math" panose="02040503050406030204" pitchFamily="18" charset="0"/>
                             <a:ea typeface="Cambria Math" panose="02040503050406030204" pitchFamily="18" charset="0"/>
+                            <a:cs typeface="+mn-cs"/>
                           </a:rPr>
                           <m:t>𝑖</m:t>
                         </m:r>
@@ -11329,18 +11478,25 @@
                   </m:oMath>
                 </a14:m>
                 <a:r>
-                  <a:rPr lang="en-US" sz="2400" dirty="0">
+                  <a:rPr kumimoji="0" lang="en-US" sz="2400" b="0" i="0" u="none" strike="noStrike" kern="1200" cap="none" spc="0" normalizeH="0" baseline="0" noProof="0" dirty="0">
+                    <a:ln>
+                      <a:noFill/>
+                    </a:ln>
                     <a:solidFill>
-                      <a:schemeClr val="tx2"/>
+                      <a:srgbClr val="44546A"/>
                     </a:solidFill>
-                    <a:latin typeface="Cambria Math" panose="02040503050406030204" pitchFamily="18" charset="0"/>
-                    <a:ea typeface="Cambria Math" panose="02040503050406030204" pitchFamily="18" charset="0"/>
+                    <a:effectLst/>
+                    <a:uLnTx/>
+                    <a:uFillTx/>
+                    <a:latin typeface="Amazon Ember" panose="020B0603020204020204" pitchFamily="34" charset="0"/>
+                    <a:ea typeface="Amazon Ember" panose="020B0603020204020204" pitchFamily="34" charset="0"/>
+                    <a:cs typeface="Amazon Ember" panose="020B0603020204020204" pitchFamily="34" charset="0"/>
                   </a:rPr>
                   <a:t>}</a:t>
                 </a:r>
               </a:p>
               <a:p>
-                <a:pPr marL="0" lvl="0" indent="0" algn="ctr" defTabSz="91417">
+                <a:pPr marL="0" marR="0" lvl="0" indent="0" algn="ctr" defTabSz="91417" rtl="0" eaLnBrk="1" fontAlgn="auto" latinLnBrk="0" hangingPunct="1">
                   <a:lnSpc>
                     <a:spcPct val="100000"/>
                   </a:lnSpc>
@@ -11354,51 +11510,68 @@
                     <a:srgbClr val="1D212E"/>
                   </a:buClr>
                   <a:buSzPct val="110000"/>
+                  <a:buFontTx/>
                   <a:buNone/>
                   <a:tabLst>
                     <a:tab pos="226957" algn="l"/>
                   </a:tabLst>
+                  <a:defRPr/>
                 </a:pPr>
                 <a:r>
-                  <a:rPr lang="en-US" sz="2400" dirty="0">
+                  <a:rPr kumimoji="0" lang="en-US" sz="2400" b="0" i="0" u="none" strike="noStrike" kern="1200" cap="none" spc="0" normalizeH="0" baseline="0" noProof="0" dirty="0">
+                    <a:ln>
+                      <a:noFill/>
+                    </a:ln>
                     <a:solidFill>
-                      <a:schemeClr val="tx2"/>
+                      <a:srgbClr val="44546A"/>
                     </a:solidFill>
+                    <a:effectLst/>
+                    <a:uLnTx/>
+                    <a:uFillTx/>
+                    <a:latin typeface="Amazon Ember" panose="020B0603020204020204" pitchFamily="34" charset="0"/>
+                    <a:ea typeface="Amazon Ember" panose="020B0603020204020204" pitchFamily="34" charset="0"/>
+                    <a:cs typeface="Amazon Ember" panose="020B0603020204020204" pitchFamily="34" charset="0"/>
                   </a:rPr>
-                  <a:t>Bias:</a:t>
-                </a:r>
-                <a:r>
-                  <a:rPr lang="en-US" sz="2400" dirty="0">
-                    <a:solidFill>
-                      <a:schemeClr val="tx2"/>
-                    </a:solidFill>
-                    <a:latin typeface="Cambria Math" panose="02040503050406030204" pitchFamily="18" charset="0"/>
-                    <a:ea typeface="Cambria Math" panose="02040503050406030204" pitchFamily="18" charset="0"/>
-                  </a:rPr>
-                  <a:t> </a:t>
+                  <a:t>Bias: </a:t>
                 </a:r>
                 <a14:m>
                   <m:oMath xmlns:m="http://schemas.openxmlformats.org/officeDocument/2006/math">
                     <m:r>
-                      <a:rPr lang="en-US" sz="2400" i="1">
+                      <a:rPr kumimoji="0" lang="en-US" sz="2400" b="0" i="1" u="none" strike="noStrike" kern="1200" cap="none" spc="0" normalizeH="0" baseline="0" noProof="0" smtClean="0">
+                        <a:ln>
+                          <a:noFill/>
+                        </a:ln>
                         <a:solidFill>
-                          <a:schemeClr val="tx2"/>
+                          <a:srgbClr val="44546A"/>
                         </a:solidFill>
+                        <a:effectLst/>
+                        <a:uLnTx/>
+                        <a:uFillTx/>
                         <a:latin typeface="Cambria Math" panose="02040503050406030204" pitchFamily="18" charset="0"/>
+                        <a:ea typeface="+mn-ea"/>
+                        <a:cs typeface="+mn-cs"/>
                       </a:rPr>
                       <m:t>𝑏</m:t>
                     </m:r>
                   </m:oMath>
                 </a14:m>
-                <a:endParaRPr lang="en-US" sz="2400" dirty="0">
+                <a:endParaRPr kumimoji="0" lang="en-US" sz="2400" b="0" i="1" u="none" strike="noStrike" kern="1200" cap="none" spc="0" normalizeH="0" baseline="0" noProof="0" dirty="0">
+                  <a:ln>
+                    <a:noFill/>
+                  </a:ln>
                   <a:solidFill>
-                    <a:schemeClr val="tx2"/>
+                    <a:srgbClr val="44546A"/>
                   </a:solidFill>
-                  <a:latin typeface="Cambria Math" panose="02040503050406030204" pitchFamily="18" charset="0"/>
+                  <a:effectLst/>
+                  <a:uLnTx/>
+                  <a:uFillTx/>
+                  <a:latin typeface="Amazon Ember" panose="020B0603020204020204" pitchFamily="34" charset="0"/>
+                  <a:ea typeface="Amazon Ember" panose="020B0603020204020204" pitchFamily="34" charset="0"/>
+                  <a:cs typeface="Amazon Ember" panose="020B0603020204020204" pitchFamily="34" charset="0"/>
                 </a:endParaRPr>
               </a:p>
               <a:p>
-                <a:pPr marL="0" lvl="0" indent="0" algn="ctr" defTabSz="91417">
+                <a:pPr marL="0" marR="0" lvl="0" indent="0" algn="ctr" defTabSz="91417" rtl="0" eaLnBrk="1" fontAlgn="auto" latinLnBrk="0" hangingPunct="1">
                   <a:lnSpc>
                     <a:spcPct val="100000"/>
                   </a:lnSpc>
@@ -11412,105 +11585,143 @@
                     <a:srgbClr val="1D212E"/>
                   </a:buClr>
                   <a:buSzPct val="110000"/>
+                  <a:buFontTx/>
                   <a:buNone/>
                   <a:tabLst>
                     <a:tab pos="226957" algn="l"/>
                   </a:tabLst>
+                  <a:defRPr/>
                 </a:pPr>
                 <a:r>
-                  <a:rPr lang="en-US" sz="2800" b="1" dirty="0">
+                  <a:rPr kumimoji="0" lang="en-US" sz="2800" b="1" i="0" u="none" strike="noStrike" kern="1200" cap="none" spc="0" normalizeH="0" baseline="0" noProof="0" dirty="0">
+                    <a:ln>
+                      <a:noFill/>
+                    </a:ln>
                     <a:solidFill>
-                      <a:schemeClr val="accent6"/>
+                      <a:srgbClr val="70AD47"/>
                     </a:solidFill>
+                    <a:effectLst/>
+                    <a:uLnTx/>
+                    <a:uFillTx/>
+                    <a:latin typeface="Amazon Ember" panose="020B0603020204020204" pitchFamily="34" charset="0"/>
+                    <a:ea typeface="Amazon Ember" panose="020B0603020204020204" pitchFamily="34" charset="0"/>
+                    <a:cs typeface="Amazon Ember" panose="020B0603020204020204" pitchFamily="34" charset="0"/>
                   </a:rPr>
                   <a:t>Weights</a:t>
                 </a:r>
                 <a:r>
-                  <a:rPr lang="en-US" sz="2800" b="1" dirty="0">
+                  <a:rPr kumimoji="0" lang="en-US" sz="2400" b="1" i="0" u="none" strike="noStrike" kern="1200" cap="none" spc="0" normalizeH="0" baseline="0" noProof="0" dirty="0">
+                    <a:ln>
+                      <a:noFill/>
+                    </a:ln>
                     <a:solidFill>
-                      <a:schemeClr val="accent6"/>
+                      <a:srgbClr val="70AD47"/>
                     </a:solidFill>
-                    <a:ea typeface="Cambria Math" panose="02040503050406030204" pitchFamily="18" charset="0"/>
+                    <a:effectLst/>
+                    <a:uLnTx/>
+                    <a:uFillTx/>
+                    <a:latin typeface="Amazon Ember" panose="020B0603020204020204" pitchFamily="34" charset="0"/>
+                    <a:ea typeface="Amazon Ember" panose="020B0603020204020204" pitchFamily="34" charset="0"/>
+                    <a:cs typeface="Amazon Ember" panose="020B0603020204020204" pitchFamily="34" charset="0"/>
                   </a:rPr>
-                  <a:t>:</a:t>
+                  <a:t>: </a:t>
                 </a:r>
                 <a:r>
-                  <a:rPr lang="en-US" sz="2800" b="1" dirty="0">
+                  <a:rPr kumimoji="0" lang="en-US" sz="2400" b="0" i="0" u="none" strike="noStrike" kern="1200" cap="none" spc="0" normalizeH="0" baseline="0" noProof="0" dirty="0">
+                    <a:ln>
+                      <a:noFill/>
+                    </a:ln>
                     <a:solidFill>
-                      <a:schemeClr val="accent6"/>
+                      <a:srgbClr val="44546A"/>
                     </a:solidFill>
+                    <a:effectLst/>
+                    <a:uLnTx/>
+                    <a:uFillTx/>
+                    <a:latin typeface="Amazon Ember" panose="020B0603020204020204" pitchFamily="34" charset="0"/>
+                    <a:ea typeface="Amazon Ember" panose="020B0603020204020204" pitchFamily="34" charset="0"/>
+                    <a:cs typeface="Amazon Ember" panose="020B0603020204020204" pitchFamily="34" charset="0"/>
                   </a:rPr>
-                  <a:t> </a:t>
+                  <a:t>{</a:t>
                 </a:r>
                 <a14:m>
                   <m:oMath xmlns:m="http://schemas.openxmlformats.org/officeDocument/2006/math">
-                    <m:d>
-                      <m:dPr>
-                        <m:begChr m:val="{"/>
-                        <m:endChr m:val="}"/>
+                    <m:sSub>
+                      <m:sSubPr>
                         <m:ctrlPr>
-                          <a:rPr lang="en-US" sz="2400" i="1">
+                          <a:rPr kumimoji="0" lang="en-US" sz="2400" b="0" i="1" u="none" strike="noStrike" kern="1200" cap="none" spc="0" normalizeH="0" baseline="0" noProof="0">
+                            <a:ln>
+                              <a:noFill/>
+                            </a:ln>
                             <a:solidFill>
-                              <a:schemeClr val="tx2"/>
+                              <a:srgbClr val="44546A"/>
                             </a:solidFill>
+                            <a:effectLst/>
+                            <a:uLnTx/>
+                            <a:uFillTx/>
                             <a:latin typeface="Cambria Math" panose="02040503050406030204" pitchFamily="18" charset="0"/>
+                            <a:ea typeface="Cambria Math" panose="02040503050406030204" pitchFamily="18" charset="0"/>
+                            <a:cs typeface="+mn-cs"/>
                           </a:rPr>
                         </m:ctrlPr>
-                      </m:dPr>
+                      </m:sSubPr>
                       <m:e>
-                        <m:sSub>
-                          <m:sSubPr>
-                            <m:ctrlPr>
-                              <a:rPr lang="en-US" sz="2400" i="1">
-                                <a:solidFill>
-                                  <a:schemeClr val="tx2"/>
-                                </a:solidFill>
-                                <a:latin typeface="Cambria Math" panose="02040503050406030204" pitchFamily="18" charset="0"/>
-                              </a:rPr>
-                            </m:ctrlPr>
-                          </m:sSubPr>
-                          <m:e>
-                            <m:r>
-                              <a:rPr lang="en-US" sz="2400" i="1">
-                                <a:solidFill>
-                                  <a:schemeClr val="tx2"/>
-                                </a:solidFill>
-                                <a:latin typeface="Cambria Math" panose="02040503050406030204" pitchFamily="18" charset="0"/>
-                              </a:rPr>
-                              <m:t>𝑤</m:t>
-                            </m:r>
-                          </m:e>
-                          <m:sub>
-                            <m:r>
-                              <a:rPr lang="en-US" sz="2400" i="1">
-                                <a:solidFill>
-                                  <a:schemeClr val="tx2"/>
-                                </a:solidFill>
-                                <a:latin typeface="Cambria Math" panose="02040503050406030204" pitchFamily="18" charset="0"/>
-                              </a:rPr>
-                              <m:t>𝑖</m:t>
-                            </m:r>
-                          </m:sub>
-                        </m:sSub>
+                        <m:r>
+                          <a:rPr kumimoji="0" lang="en-US" sz="2400" b="0" i="1" u="none" strike="noStrike" kern="1200" cap="none" spc="0" normalizeH="0" baseline="0" noProof="0" smtClean="0">
+                            <a:ln>
+                              <a:noFill/>
+                            </a:ln>
+                            <a:solidFill>
+                              <a:srgbClr val="44546A"/>
+                            </a:solidFill>
+                            <a:effectLst/>
+                            <a:uLnTx/>
+                            <a:uFillTx/>
+                            <a:latin typeface="Cambria Math" panose="02040503050406030204" pitchFamily="18" charset="0"/>
+                            <a:ea typeface="Cambria Math" panose="02040503050406030204" pitchFamily="18" charset="0"/>
+                            <a:cs typeface="+mn-cs"/>
+                          </a:rPr>
+                          <m:t>𝑤</m:t>
+                        </m:r>
                       </m:e>
-                    </m:d>
-                    <m:r>
-                      <a:rPr lang="en-US" sz="2400" i="1">
-                        <a:solidFill>
-                          <a:schemeClr val="tx2"/>
-                        </a:solidFill>
-                        <a:latin typeface="Cambria Math" panose="02040503050406030204" pitchFamily="18" charset="0"/>
-                      </a:rPr>
-                      <m:t> </m:t>
-                    </m:r>
+                      <m:sub>
+                        <m:r>
+                          <a:rPr kumimoji="0" lang="en-US" sz="2400" b="0" i="1" u="none" strike="noStrike" kern="1200" cap="none" spc="0" normalizeH="0" baseline="0" noProof="0">
+                            <a:ln>
+                              <a:noFill/>
+                            </a:ln>
+                            <a:solidFill>
+                              <a:srgbClr val="44546A"/>
+                            </a:solidFill>
+                            <a:effectLst/>
+                            <a:uLnTx/>
+                            <a:uFillTx/>
+                            <a:latin typeface="Cambria Math" panose="02040503050406030204" pitchFamily="18" charset="0"/>
+                            <a:ea typeface="Cambria Math" panose="02040503050406030204" pitchFamily="18" charset="0"/>
+                            <a:cs typeface="+mn-cs"/>
+                          </a:rPr>
+                          <m:t>𝑖</m:t>
+                        </m:r>
+                      </m:sub>
+                    </m:sSub>
                   </m:oMath>
                 </a14:m>
-                <a:endParaRPr lang="en-US" sz="2400" b="1" dirty="0">
-                  <a:solidFill>
-                    <a:schemeClr val="tx2"/>
-                  </a:solidFill>
-                  <a:latin typeface="Amazon Ember display"/>
-                </a:endParaRPr>
+                <a:r>
+                  <a:rPr kumimoji="0" lang="en-US" sz="2400" b="0" i="0" u="none" strike="noStrike" kern="1200" cap="none" spc="0" normalizeH="0" baseline="0" noProof="0" dirty="0">
+                    <a:ln>
+                      <a:noFill/>
+                    </a:ln>
+                    <a:solidFill>
+                      <a:srgbClr val="44546A"/>
+                    </a:solidFill>
+                    <a:effectLst/>
+                    <a:uLnTx/>
+                    <a:uFillTx/>
+                    <a:latin typeface="Amazon Ember" panose="020B0603020204020204" pitchFamily="34" charset="0"/>
+                    <a:ea typeface="Amazon Ember" panose="020B0603020204020204" pitchFamily="34" charset="0"/>
+                    <a:cs typeface="Amazon Ember" panose="020B0603020204020204" pitchFamily="34" charset="0"/>
+                  </a:rPr>
+                  <a:t>}</a:t>
+                </a:r>
               </a:p>
               <a:p>
                 <a:pPr marL="0" lvl="0" indent="0" algn="ctr" defTabSz="91417">
@@ -11615,7 +11826,7 @@
             </p:txBody>
           </p:sp>
         </mc:Choice>
-        <mc:Fallback xmlns="">
+        <mc:Fallback>
           <p:sp>
             <p:nvSpPr>
               <p:cNvPr id="5" name="Text Placeholder 2">
@@ -11641,7 +11852,7 @@
               <a:blipFill>
                 <a:blip r:embed="rId4"/>
                 <a:stretch>
-                  <a:fillRect t="-2576"/>
+                  <a:fillRect t="-2427"/>
                 </a:stretch>
               </a:blipFill>
             </p:spPr>
@@ -11703,25 +11914,11 @@
                 <a:solidFill>
                   <a:schemeClr val="tx2"/>
                 </a:solidFill>
+                <a:latin typeface="Amazon Ember" panose="020B0603020204020204" pitchFamily="34" charset="0"/>
+                <a:ea typeface="Amazon Ember" panose="020B0603020204020204" pitchFamily="34" charset="0"/>
+                <a:cs typeface="Amazon Ember" panose="020B0603020204020204" pitchFamily="34" charset="0"/>
               </a:rPr>
-              <a:t>You will learn more about </a:t>
-            </a:r>
-            <a:r>
-              <a:rPr lang="en-US" sz="2400" dirty="0">
-                <a:solidFill>
-                  <a:schemeClr val="tx2"/>
-                </a:solidFill>
-                <a:latin typeface="Amazon Ember display"/>
-              </a:rPr>
-              <a:t>activation functions </a:t>
-            </a:r>
-            <a:r>
-              <a:rPr lang="en-US" sz="2400" dirty="0">
-                <a:solidFill>
-                  <a:schemeClr val="tx2"/>
-                </a:solidFill>
-              </a:rPr>
-              <a:t>in the next module.</a:t>
+              <a:t>You will learn more about activation functions in the next module.</a:t>
             </a:r>
           </a:p>
           <a:p>
@@ -11740,8 +11937,11 @@
                 <a:solidFill>
                   <a:schemeClr val="tx2"/>
                 </a:solidFill>
+                <a:latin typeface="Amazon Ember" panose="020B0603020204020204" pitchFamily="34" charset="0"/>
+                <a:ea typeface="Amazon Ember" panose="020B0603020204020204" pitchFamily="34" charset="0"/>
+                <a:cs typeface="Amazon Ember" panose="020B0603020204020204" pitchFamily="34" charset="0"/>
               </a:rPr>
-              <a:t>For now, consider it as a function that receives the neuron input and transforms it into the neuron output (right side of the line inside the neuron).</a:t>
+              <a:t>For now, consider it to be a function that receives the neuron input and transforms it into the neuron output (right side of the line inside the neuron).</a:t>
             </a:r>
           </a:p>
         </p:txBody>
@@ -11873,8 +12073,8 @@
           </a:p>
         </p:txBody>
       </p:sp>
-      <mc:AlternateContent xmlns:mc="http://schemas.openxmlformats.org/markup-compatibility/2006">
-        <mc:Choice xmlns:a14="http://schemas.microsoft.com/office/drawing/2010/main" Requires="a14">
+      <mc:AlternateContent xmlns:mc="http://schemas.openxmlformats.org/markup-compatibility/2006" xmlns:a14="http://schemas.microsoft.com/office/drawing/2010/main">
+        <mc:Choice Requires="a14">
           <p:sp>
             <p:nvSpPr>
               <p:cNvPr id="3" name="Content Placeholder 2">
@@ -12126,7 +12326,7 @@
             </p:txBody>
           </p:sp>
         </mc:Choice>
-        <mc:Fallback>
+        <mc:Fallback xmlns="">
           <p:sp>
             <p:nvSpPr>
               <p:cNvPr id="3" name="Content Placeholder 2">
@@ -12208,7 +12408,7 @@
                   <a:schemeClr val="tx2"/>
                 </a:solidFill>
               </a:rPr>
-              <a:t>The same kind of function you have seen in the previous module.</a:t>
+              <a:t>The same kind of function you have seen previously.</a:t>
             </a:r>
           </a:p>
         </p:txBody>
@@ -14519,7 +14719,12 @@
                 <p:ph idx="2"/>
               </p:nvPr>
             </p:nvSpPr>
-            <p:spPr/>
+            <p:spPr>
+              <a:xfrm>
+                <a:off x="365760" y="1165536"/>
+                <a:ext cx="6521467" cy="5262696"/>
+              </a:xfrm>
+            </p:spPr>
             <p:txBody>
               <a:bodyPr/>
               <a:lstStyle/>
@@ -14711,10 +14916,14 @@
               </p:nvPr>
             </p:nvSpPr>
             <p:spPr>
+              <a:xfrm>
+                <a:off x="365760" y="1165536"/>
+                <a:ext cx="6521467" cy="5262696"/>
+              </a:xfrm>
               <a:blipFill>
                 <a:blip r:embed="rId4"/>
                 <a:stretch>
-                  <a:fillRect l="-885" t="-1202"/>
+                  <a:fillRect l="-1553" t="-1202"/>
                 </a:stretch>
               </a:blipFill>
             </p:spPr>
@@ -29675,21 +29884,6 @@
                   <a:schemeClr val="tx2"/>
                 </a:solidFill>
               </a:rPr>
-              <a:t>Deep learning is the name for a neural network model that contains several of those layers.</a:t>
-            </a:r>
-            <a:endParaRPr lang="en-US" strike="sngStrike" dirty="0">
-              <a:solidFill>
-                <a:schemeClr val="tx2"/>
-              </a:solidFill>
-            </a:endParaRPr>
-          </a:p>
-          <a:p>
-            <a:r>
-              <a:rPr lang="en-US" dirty="0">
-                <a:solidFill>
-                  <a:schemeClr val="tx2"/>
-                </a:solidFill>
-              </a:rPr>
               <a:t>The term deep learning is frequently used for the name of a neural network model that contains several of those layers.</a:t>
             </a:r>
           </a:p>
@@ -30792,10 +30986,18 @@
               <a:buChar char="•"/>
             </a:pPr>
             <a:r>
-              <a:rPr lang="en-US" dirty="0"/>
+              <a:rPr lang="en-US" dirty="0">
+                <a:solidFill>
+                  <a:schemeClr val="tx1"/>
+                </a:solidFill>
+              </a:rPr>
               <a:t>A neural network is typically made of many stacked layers of interconnected components.</a:t>
             </a:r>
-            <a:endParaRPr lang="en-US" sz="2400" dirty="0"/>
+            <a:endParaRPr lang="en-US" sz="2400" dirty="0">
+              <a:solidFill>
+                <a:schemeClr val="tx1"/>
+              </a:solidFill>
+            </a:endParaRPr>
           </a:p>
           <a:p>
             <a:pPr marL="457200" indent="-288925">
@@ -30805,7 +31007,7 @@
             <a:r>
               <a:rPr lang="en-US" dirty="0">
                 <a:solidFill>
-                  <a:schemeClr val="tx2"/>
+                  <a:schemeClr val="tx1"/>
                 </a:solidFill>
               </a:rPr>
               <a:t>A single-layer model is designed to mirror the behavior of a single neuron and is also known as a perceptron.</a:t>
